--- a/securityProject.pptx
+++ b/securityProject.pptx
@@ -6,21 +6,20 @@
   </p:sldMasterIdLst>
   <p:sldIdLst>
     <p:sldId id="256" r:id="rId2"/>
-    <p:sldId id="272" r:id="rId3"/>
-    <p:sldId id="257" r:id="rId4"/>
-    <p:sldId id="258" r:id="rId5"/>
-    <p:sldId id="259" r:id="rId6"/>
-    <p:sldId id="261" r:id="rId7"/>
-    <p:sldId id="262" r:id="rId8"/>
-    <p:sldId id="263" r:id="rId9"/>
-    <p:sldId id="264" r:id="rId10"/>
-    <p:sldId id="265" r:id="rId11"/>
-    <p:sldId id="266" r:id="rId12"/>
-    <p:sldId id="267" r:id="rId13"/>
-    <p:sldId id="268" r:id="rId14"/>
-    <p:sldId id="269" r:id="rId15"/>
-    <p:sldId id="270" r:id="rId16"/>
-    <p:sldId id="271" r:id="rId17"/>
+    <p:sldId id="257" r:id="rId3"/>
+    <p:sldId id="258" r:id="rId4"/>
+    <p:sldId id="259" r:id="rId5"/>
+    <p:sldId id="261" r:id="rId6"/>
+    <p:sldId id="262" r:id="rId7"/>
+    <p:sldId id="263" r:id="rId8"/>
+    <p:sldId id="264" r:id="rId9"/>
+    <p:sldId id="265" r:id="rId10"/>
+    <p:sldId id="266" r:id="rId11"/>
+    <p:sldId id="267" r:id="rId12"/>
+    <p:sldId id="268" r:id="rId13"/>
+    <p:sldId id="269" r:id="rId14"/>
+    <p:sldId id="270" r:id="rId15"/>
+    <p:sldId id="271" r:id="rId16"/>
   </p:sldIdLst>
   <p:sldSz cx="12192000" cy="6858000"/>
   <p:notesSz cx="6858000" cy="9144000"/>
@@ -3431,10 +3430,9 @@
           <a:bodyPr/>
           <a:lstStyle/>
           <a:p>
-            <a:pPr lvl="0"/>
             <a:r>
               <a:rPr lang="en-US" b="1" dirty="0"/>
-              <a:t>Working of driver.java</a:t>
+              <a:t>From text File</a:t>
             </a:r>
             <a:r>
               <a:rPr lang="en-US" b="1" dirty="0" smtClean="0"/>
@@ -3459,26 +3457,62 @@
           <a:bodyPr/>
           <a:lstStyle/>
           <a:p>
-            <a:pPr marL="0" indent="0">
-              <a:buNone/>
-            </a:pPr>
+            <a:pPr lvl="0"/>
             <a:r>
               <a:rPr lang="en-US" dirty="0"/>
-              <a:t>The driver can accept input in 2 ways:</a:t>
-            </a:r>
-          </a:p>
-          <a:p>
-            <a:pPr lvl="1"/>
+              <a:t>E</a:t>
+            </a:r>
+            <a:r>
+              <a:rPr lang="en-US" dirty="0" smtClean="0"/>
+              <a:t>xactly </a:t>
+            </a:r>
             <a:r>
               <a:rPr lang="en-US" dirty="0"/>
-              <a:t>From text file</a:t>
-            </a:r>
-          </a:p>
-          <a:p>
-            <a:pPr lvl="1"/>
+              <a:t>4 lines.</a:t>
+            </a:r>
+          </a:p>
+          <a:p>
+            <a:pPr lvl="0"/>
             <a:r>
               <a:rPr lang="en-US" dirty="0"/>
-              <a:t>From Standard Input</a:t>
+              <a:t>The first line should contain exactly one of '0', '1' or '2'. </a:t>
+            </a:r>
+          </a:p>
+          <a:p>
+            <a:pPr lvl="0"/>
+            <a:r>
+              <a:rPr lang="en-US" dirty="0"/>
+              <a:t>The second line should contain either 'e' or 'd'. </a:t>
+            </a:r>
+          </a:p>
+          <a:p>
+            <a:pPr lvl="0"/>
+            <a:r>
+              <a:rPr lang="en-US" dirty="0"/>
+              <a:t>The </a:t>
+            </a:r>
+            <a:r>
+              <a:rPr lang="en-US" dirty="0" smtClean="0"/>
+              <a:t>key</a:t>
+            </a:r>
+            <a:r>
+              <a:rPr lang="en-US" dirty="0"/>
+              <a:t>.</a:t>
+            </a:r>
+          </a:p>
+          <a:p>
+            <a:pPr lvl="0"/>
+            <a:r>
+              <a:rPr lang="en-US" dirty="0"/>
+              <a:t>The </a:t>
+            </a:r>
+            <a:r>
+              <a:rPr lang="en-US" dirty="0" smtClean="0"/>
+              <a:t>message</a:t>
+            </a:r>
+            <a:r>
+              <a:rPr lang="en-US" dirty="0"/>
+              <a:t>.</a:t>
             </a:r>
           </a:p>
           <a:p>
@@ -3489,7 +3523,7 @@
     </p:spTree>
     <p:extLst>
       <p:ext uri="{BB962C8B-B14F-4D97-AF65-F5344CB8AC3E}">
-        <p14:creationId xmlns:p14="http://schemas.microsoft.com/office/powerpoint/2010/main" val="3672414798"/>
+        <p14:creationId xmlns:p14="http://schemas.microsoft.com/office/powerpoint/2010/main" val="2706449186"/>
       </p:ext>
     </p:extLst>
   </p:cSld>
@@ -3784,6 +3818,212 @@
                                           <p:spTgt spid="3">
                                             <p:txEl>
                                               <p:pRg st="2" end="2"/>
+                                            </p:txEl>
+                                          </p:spTgt>
+                                        </p:tgtEl>
+                                        <p:attrNameLst>
+                                          <p:attrName>ppt_y</p:attrName>
+                                        </p:attrNameLst>
+                                      </p:cBhvr>
+                                      <p:tavLst>
+                                        <p:tav tm="0">
+                                          <p:val>
+                                            <p:strVal val="1+#ppt_h/2"/>
+                                          </p:val>
+                                        </p:tav>
+                                        <p:tav tm="100000">
+                                          <p:val>
+                                            <p:strVal val="#ppt_y"/>
+                                          </p:val>
+                                        </p:tav>
+                                      </p:tavLst>
+                                    </p:anim>
+                                  </p:childTnLst>
+                                </p:cTn>
+                              </p:par>
+                            </p:childTnLst>
+                          </p:cTn>
+                        </p:par>
+                      </p:childTnLst>
+                    </p:cTn>
+                  </p:par>
+                  <p:par>
+                    <p:cTn id="21" fill="hold">
+                      <p:stCondLst>
+                        <p:cond delay="indefinite"/>
+                      </p:stCondLst>
+                      <p:childTnLst>
+                        <p:par>
+                          <p:cTn id="22" fill="hold">
+                            <p:stCondLst>
+                              <p:cond delay="0"/>
+                            </p:stCondLst>
+                            <p:childTnLst>
+                              <p:par>
+                                <p:cTn id="23" presetID="2" presetClass="entr" presetSubtype="4" fill="hold" nodeType="clickEffect">
+                                  <p:stCondLst>
+                                    <p:cond delay="0"/>
+                                  </p:stCondLst>
+                                  <p:childTnLst>
+                                    <p:set>
+                                      <p:cBhvr>
+                                        <p:cTn id="24" dur="1" fill="hold">
+                                          <p:stCondLst>
+                                            <p:cond delay="0"/>
+                                          </p:stCondLst>
+                                        </p:cTn>
+                                        <p:tgtEl>
+                                          <p:spTgt spid="3">
+                                            <p:txEl>
+                                              <p:pRg st="3" end="3"/>
+                                            </p:txEl>
+                                          </p:spTgt>
+                                        </p:tgtEl>
+                                        <p:attrNameLst>
+                                          <p:attrName>style.visibility</p:attrName>
+                                        </p:attrNameLst>
+                                      </p:cBhvr>
+                                      <p:to>
+                                        <p:strVal val="visible"/>
+                                      </p:to>
+                                    </p:set>
+                                    <p:anim calcmode="lin" valueType="num">
+                                      <p:cBhvr additive="base">
+                                        <p:cTn id="25" dur="500" fill="hold"/>
+                                        <p:tgtEl>
+                                          <p:spTgt spid="3">
+                                            <p:txEl>
+                                              <p:pRg st="3" end="3"/>
+                                            </p:txEl>
+                                          </p:spTgt>
+                                        </p:tgtEl>
+                                        <p:attrNameLst>
+                                          <p:attrName>ppt_x</p:attrName>
+                                        </p:attrNameLst>
+                                      </p:cBhvr>
+                                      <p:tavLst>
+                                        <p:tav tm="0">
+                                          <p:val>
+                                            <p:strVal val="#ppt_x"/>
+                                          </p:val>
+                                        </p:tav>
+                                        <p:tav tm="100000">
+                                          <p:val>
+                                            <p:strVal val="#ppt_x"/>
+                                          </p:val>
+                                        </p:tav>
+                                      </p:tavLst>
+                                    </p:anim>
+                                    <p:anim calcmode="lin" valueType="num">
+                                      <p:cBhvr additive="base">
+                                        <p:cTn id="26" dur="500" fill="hold"/>
+                                        <p:tgtEl>
+                                          <p:spTgt spid="3">
+                                            <p:txEl>
+                                              <p:pRg st="3" end="3"/>
+                                            </p:txEl>
+                                          </p:spTgt>
+                                        </p:tgtEl>
+                                        <p:attrNameLst>
+                                          <p:attrName>ppt_y</p:attrName>
+                                        </p:attrNameLst>
+                                      </p:cBhvr>
+                                      <p:tavLst>
+                                        <p:tav tm="0">
+                                          <p:val>
+                                            <p:strVal val="1+#ppt_h/2"/>
+                                          </p:val>
+                                        </p:tav>
+                                        <p:tav tm="100000">
+                                          <p:val>
+                                            <p:strVal val="#ppt_y"/>
+                                          </p:val>
+                                        </p:tav>
+                                      </p:tavLst>
+                                    </p:anim>
+                                  </p:childTnLst>
+                                </p:cTn>
+                              </p:par>
+                            </p:childTnLst>
+                          </p:cTn>
+                        </p:par>
+                      </p:childTnLst>
+                    </p:cTn>
+                  </p:par>
+                  <p:par>
+                    <p:cTn id="27" fill="hold">
+                      <p:stCondLst>
+                        <p:cond delay="indefinite"/>
+                      </p:stCondLst>
+                      <p:childTnLst>
+                        <p:par>
+                          <p:cTn id="28" fill="hold">
+                            <p:stCondLst>
+                              <p:cond delay="0"/>
+                            </p:stCondLst>
+                            <p:childTnLst>
+                              <p:par>
+                                <p:cTn id="29" presetID="2" presetClass="entr" presetSubtype="4" fill="hold" nodeType="clickEffect">
+                                  <p:stCondLst>
+                                    <p:cond delay="0"/>
+                                  </p:stCondLst>
+                                  <p:childTnLst>
+                                    <p:set>
+                                      <p:cBhvr>
+                                        <p:cTn id="30" dur="1" fill="hold">
+                                          <p:stCondLst>
+                                            <p:cond delay="0"/>
+                                          </p:stCondLst>
+                                        </p:cTn>
+                                        <p:tgtEl>
+                                          <p:spTgt spid="3">
+                                            <p:txEl>
+                                              <p:pRg st="4" end="4"/>
+                                            </p:txEl>
+                                          </p:spTgt>
+                                        </p:tgtEl>
+                                        <p:attrNameLst>
+                                          <p:attrName>style.visibility</p:attrName>
+                                        </p:attrNameLst>
+                                      </p:cBhvr>
+                                      <p:to>
+                                        <p:strVal val="visible"/>
+                                      </p:to>
+                                    </p:set>
+                                    <p:anim calcmode="lin" valueType="num">
+                                      <p:cBhvr additive="base">
+                                        <p:cTn id="31" dur="500" fill="hold"/>
+                                        <p:tgtEl>
+                                          <p:spTgt spid="3">
+                                            <p:txEl>
+                                              <p:pRg st="4" end="4"/>
+                                            </p:txEl>
+                                          </p:spTgt>
+                                        </p:tgtEl>
+                                        <p:attrNameLst>
+                                          <p:attrName>ppt_x</p:attrName>
+                                        </p:attrNameLst>
+                                      </p:cBhvr>
+                                      <p:tavLst>
+                                        <p:tav tm="0">
+                                          <p:val>
+                                            <p:strVal val="#ppt_x"/>
+                                          </p:val>
+                                        </p:tav>
+                                        <p:tav tm="100000">
+                                          <p:val>
+                                            <p:strVal val="#ppt_x"/>
+                                          </p:val>
+                                        </p:tav>
+                                      </p:tavLst>
+                                    </p:anim>
+                                    <p:anim calcmode="lin" valueType="num">
+                                      <p:cBhvr additive="base">
+                                        <p:cTn id="32" dur="500" fill="hold"/>
+                                        <p:tgtEl>
+                                          <p:spTgt spid="3">
+                                            <p:txEl>
+                                              <p:pRg st="4" end="4"/>
                                             </p:txEl>
                                           </p:spTgt>
                                         </p:tgtEl>
@@ -3871,686 +4111,6 @@
           <a:lstStyle/>
           <a:p>
             <a:r>
-              <a:rPr lang="en-US" b="1" dirty="0"/>
-              <a:t>From text File</a:t>
-            </a:r>
-            <a:r>
-              <a:rPr lang="en-US" b="1" dirty="0" smtClean="0"/>
-              <a:t>:</a:t>
-            </a:r>
-            <a:endParaRPr lang="en-US" dirty="0"/>
-          </a:p>
-        </p:txBody>
-      </p:sp>
-      <p:sp>
-        <p:nvSpPr>
-          <p:cNvPr id="3" name="Content Placeholder 2"/>
-          <p:cNvSpPr>
-            <a:spLocks noGrp="1"/>
-          </p:cNvSpPr>
-          <p:nvPr>
-            <p:ph idx="1"/>
-          </p:nvPr>
-        </p:nvSpPr>
-        <p:spPr/>
-        <p:txBody>
-          <a:bodyPr/>
-          <a:lstStyle/>
-          <a:p>
-            <a:pPr lvl="0"/>
-            <a:r>
-              <a:rPr lang="en-US" dirty="0"/>
-              <a:t>E</a:t>
-            </a:r>
-            <a:r>
-              <a:rPr lang="en-US" dirty="0" smtClean="0"/>
-              <a:t>xactly </a:t>
-            </a:r>
-            <a:r>
-              <a:rPr lang="en-US" dirty="0"/>
-              <a:t>4 lines.</a:t>
-            </a:r>
-          </a:p>
-          <a:p>
-            <a:pPr lvl="0"/>
-            <a:r>
-              <a:rPr lang="en-US" dirty="0"/>
-              <a:t>The first line should contain exactly one of '0', '1' or '2'. </a:t>
-            </a:r>
-          </a:p>
-          <a:p>
-            <a:pPr lvl="0"/>
-            <a:r>
-              <a:rPr lang="en-US" dirty="0"/>
-              <a:t>The second line should contain either 'e' or 'd'. </a:t>
-            </a:r>
-          </a:p>
-          <a:p>
-            <a:pPr lvl="0"/>
-            <a:r>
-              <a:rPr lang="en-US" dirty="0"/>
-              <a:t>The </a:t>
-            </a:r>
-            <a:r>
-              <a:rPr lang="en-US" dirty="0" smtClean="0"/>
-              <a:t>key</a:t>
-            </a:r>
-            <a:r>
-              <a:rPr lang="en-US" dirty="0"/>
-              <a:t>.</a:t>
-            </a:r>
-          </a:p>
-          <a:p>
-            <a:pPr lvl="0"/>
-            <a:r>
-              <a:rPr lang="en-US" dirty="0"/>
-              <a:t>The </a:t>
-            </a:r>
-            <a:r>
-              <a:rPr lang="en-US" dirty="0" smtClean="0"/>
-              <a:t>message</a:t>
-            </a:r>
-            <a:r>
-              <a:rPr lang="en-US" dirty="0"/>
-              <a:t>.</a:t>
-            </a:r>
-          </a:p>
-          <a:p>
-            <a:endParaRPr lang="en-US" dirty="0"/>
-          </a:p>
-        </p:txBody>
-      </p:sp>
-    </p:spTree>
-    <p:extLst>
-      <p:ext uri="{BB962C8B-B14F-4D97-AF65-F5344CB8AC3E}">
-        <p14:creationId xmlns:p14="http://schemas.microsoft.com/office/powerpoint/2010/main" val="2706449186"/>
-      </p:ext>
-    </p:extLst>
-  </p:cSld>
-  <p:clrMapOvr>
-    <a:masterClrMapping/>
-  </p:clrMapOvr>
-  <p:timing>
-    <p:tnLst>
-      <p:par>
-        <p:cTn id="1" dur="indefinite" restart="never" nodeType="tmRoot">
-          <p:childTnLst>
-            <p:seq concurrent="1" nextAc="seek">
-              <p:cTn id="2" dur="indefinite" nodeType="mainSeq">
-                <p:childTnLst>
-                  <p:par>
-                    <p:cTn id="3" fill="hold">
-                      <p:stCondLst>
-                        <p:cond delay="indefinite"/>
-                      </p:stCondLst>
-                      <p:childTnLst>
-                        <p:par>
-                          <p:cTn id="4" fill="hold">
-                            <p:stCondLst>
-                              <p:cond delay="0"/>
-                            </p:stCondLst>
-                            <p:childTnLst>
-                              <p:par>
-                                <p:cTn id="5" presetID="2" presetClass="entr" presetSubtype="4" fill="hold" nodeType="clickEffect">
-                                  <p:stCondLst>
-                                    <p:cond delay="0"/>
-                                  </p:stCondLst>
-                                  <p:childTnLst>
-                                    <p:set>
-                                      <p:cBhvr>
-                                        <p:cTn id="6" dur="1" fill="hold">
-                                          <p:stCondLst>
-                                            <p:cond delay="0"/>
-                                          </p:stCondLst>
-                                        </p:cTn>
-                                        <p:tgtEl>
-                                          <p:spTgt spid="3">
-                                            <p:txEl>
-                                              <p:pRg st="0" end="0"/>
-                                            </p:txEl>
-                                          </p:spTgt>
-                                        </p:tgtEl>
-                                        <p:attrNameLst>
-                                          <p:attrName>style.visibility</p:attrName>
-                                        </p:attrNameLst>
-                                      </p:cBhvr>
-                                      <p:to>
-                                        <p:strVal val="visible"/>
-                                      </p:to>
-                                    </p:set>
-                                    <p:anim calcmode="lin" valueType="num">
-                                      <p:cBhvr additive="base">
-                                        <p:cTn id="7" dur="500" fill="hold"/>
-                                        <p:tgtEl>
-                                          <p:spTgt spid="3">
-                                            <p:txEl>
-                                              <p:pRg st="0" end="0"/>
-                                            </p:txEl>
-                                          </p:spTgt>
-                                        </p:tgtEl>
-                                        <p:attrNameLst>
-                                          <p:attrName>ppt_x</p:attrName>
-                                        </p:attrNameLst>
-                                      </p:cBhvr>
-                                      <p:tavLst>
-                                        <p:tav tm="0">
-                                          <p:val>
-                                            <p:strVal val="#ppt_x"/>
-                                          </p:val>
-                                        </p:tav>
-                                        <p:tav tm="100000">
-                                          <p:val>
-                                            <p:strVal val="#ppt_x"/>
-                                          </p:val>
-                                        </p:tav>
-                                      </p:tavLst>
-                                    </p:anim>
-                                    <p:anim calcmode="lin" valueType="num">
-                                      <p:cBhvr additive="base">
-                                        <p:cTn id="8" dur="500" fill="hold"/>
-                                        <p:tgtEl>
-                                          <p:spTgt spid="3">
-                                            <p:txEl>
-                                              <p:pRg st="0" end="0"/>
-                                            </p:txEl>
-                                          </p:spTgt>
-                                        </p:tgtEl>
-                                        <p:attrNameLst>
-                                          <p:attrName>ppt_y</p:attrName>
-                                        </p:attrNameLst>
-                                      </p:cBhvr>
-                                      <p:tavLst>
-                                        <p:tav tm="0">
-                                          <p:val>
-                                            <p:strVal val="1+#ppt_h/2"/>
-                                          </p:val>
-                                        </p:tav>
-                                        <p:tav tm="100000">
-                                          <p:val>
-                                            <p:strVal val="#ppt_y"/>
-                                          </p:val>
-                                        </p:tav>
-                                      </p:tavLst>
-                                    </p:anim>
-                                  </p:childTnLst>
-                                </p:cTn>
-                              </p:par>
-                            </p:childTnLst>
-                          </p:cTn>
-                        </p:par>
-                      </p:childTnLst>
-                    </p:cTn>
-                  </p:par>
-                  <p:par>
-                    <p:cTn id="9" fill="hold">
-                      <p:stCondLst>
-                        <p:cond delay="indefinite"/>
-                      </p:stCondLst>
-                      <p:childTnLst>
-                        <p:par>
-                          <p:cTn id="10" fill="hold">
-                            <p:stCondLst>
-                              <p:cond delay="0"/>
-                            </p:stCondLst>
-                            <p:childTnLst>
-                              <p:par>
-                                <p:cTn id="11" presetID="2" presetClass="entr" presetSubtype="4" fill="hold" nodeType="clickEffect">
-                                  <p:stCondLst>
-                                    <p:cond delay="0"/>
-                                  </p:stCondLst>
-                                  <p:childTnLst>
-                                    <p:set>
-                                      <p:cBhvr>
-                                        <p:cTn id="12" dur="1" fill="hold">
-                                          <p:stCondLst>
-                                            <p:cond delay="0"/>
-                                          </p:stCondLst>
-                                        </p:cTn>
-                                        <p:tgtEl>
-                                          <p:spTgt spid="3">
-                                            <p:txEl>
-                                              <p:pRg st="1" end="1"/>
-                                            </p:txEl>
-                                          </p:spTgt>
-                                        </p:tgtEl>
-                                        <p:attrNameLst>
-                                          <p:attrName>style.visibility</p:attrName>
-                                        </p:attrNameLst>
-                                      </p:cBhvr>
-                                      <p:to>
-                                        <p:strVal val="visible"/>
-                                      </p:to>
-                                    </p:set>
-                                    <p:anim calcmode="lin" valueType="num">
-                                      <p:cBhvr additive="base">
-                                        <p:cTn id="13" dur="500" fill="hold"/>
-                                        <p:tgtEl>
-                                          <p:spTgt spid="3">
-                                            <p:txEl>
-                                              <p:pRg st="1" end="1"/>
-                                            </p:txEl>
-                                          </p:spTgt>
-                                        </p:tgtEl>
-                                        <p:attrNameLst>
-                                          <p:attrName>ppt_x</p:attrName>
-                                        </p:attrNameLst>
-                                      </p:cBhvr>
-                                      <p:tavLst>
-                                        <p:tav tm="0">
-                                          <p:val>
-                                            <p:strVal val="#ppt_x"/>
-                                          </p:val>
-                                        </p:tav>
-                                        <p:tav tm="100000">
-                                          <p:val>
-                                            <p:strVal val="#ppt_x"/>
-                                          </p:val>
-                                        </p:tav>
-                                      </p:tavLst>
-                                    </p:anim>
-                                    <p:anim calcmode="lin" valueType="num">
-                                      <p:cBhvr additive="base">
-                                        <p:cTn id="14" dur="500" fill="hold"/>
-                                        <p:tgtEl>
-                                          <p:spTgt spid="3">
-                                            <p:txEl>
-                                              <p:pRg st="1" end="1"/>
-                                            </p:txEl>
-                                          </p:spTgt>
-                                        </p:tgtEl>
-                                        <p:attrNameLst>
-                                          <p:attrName>ppt_y</p:attrName>
-                                        </p:attrNameLst>
-                                      </p:cBhvr>
-                                      <p:tavLst>
-                                        <p:tav tm="0">
-                                          <p:val>
-                                            <p:strVal val="1+#ppt_h/2"/>
-                                          </p:val>
-                                        </p:tav>
-                                        <p:tav tm="100000">
-                                          <p:val>
-                                            <p:strVal val="#ppt_y"/>
-                                          </p:val>
-                                        </p:tav>
-                                      </p:tavLst>
-                                    </p:anim>
-                                  </p:childTnLst>
-                                </p:cTn>
-                              </p:par>
-                            </p:childTnLst>
-                          </p:cTn>
-                        </p:par>
-                      </p:childTnLst>
-                    </p:cTn>
-                  </p:par>
-                  <p:par>
-                    <p:cTn id="15" fill="hold">
-                      <p:stCondLst>
-                        <p:cond delay="indefinite"/>
-                      </p:stCondLst>
-                      <p:childTnLst>
-                        <p:par>
-                          <p:cTn id="16" fill="hold">
-                            <p:stCondLst>
-                              <p:cond delay="0"/>
-                            </p:stCondLst>
-                            <p:childTnLst>
-                              <p:par>
-                                <p:cTn id="17" presetID="2" presetClass="entr" presetSubtype="4" fill="hold" nodeType="clickEffect">
-                                  <p:stCondLst>
-                                    <p:cond delay="0"/>
-                                  </p:stCondLst>
-                                  <p:childTnLst>
-                                    <p:set>
-                                      <p:cBhvr>
-                                        <p:cTn id="18" dur="1" fill="hold">
-                                          <p:stCondLst>
-                                            <p:cond delay="0"/>
-                                          </p:stCondLst>
-                                        </p:cTn>
-                                        <p:tgtEl>
-                                          <p:spTgt spid="3">
-                                            <p:txEl>
-                                              <p:pRg st="2" end="2"/>
-                                            </p:txEl>
-                                          </p:spTgt>
-                                        </p:tgtEl>
-                                        <p:attrNameLst>
-                                          <p:attrName>style.visibility</p:attrName>
-                                        </p:attrNameLst>
-                                      </p:cBhvr>
-                                      <p:to>
-                                        <p:strVal val="visible"/>
-                                      </p:to>
-                                    </p:set>
-                                    <p:anim calcmode="lin" valueType="num">
-                                      <p:cBhvr additive="base">
-                                        <p:cTn id="19" dur="500" fill="hold"/>
-                                        <p:tgtEl>
-                                          <p:spTgt spid="3">
-                                            <p:txEl>
-                                              <p:pRg st="2" end="2"/>
-                                            </p:txEl>
-                                          </p:spTgt>
-                                        </p:tgtEl>
-                                        <p:attrNameLst>
-                                          <p:attrName>ppt_x</p:attrName>
-                                        </p:attrNameLst>
-                                      </p:cBhvr>
-                                      <p:tavLst>
-                                        <p:tav tm="0">
-                                          <p:val>
-                                            <p:strVal val="#ppt_x"/>
-                                          </p:val>
-                                        </p:tav>
-                                        <p:tav tm="100000">
-                                          <p:val>
-                                            <p:strVal val="#ppt_x"/>
-                                          </p:val>
-                                        </p:tav>
-                                      </p:tavLst>
-                                    </p:anim>
-                                    <p:anim calcmode="lin" valueType="num">
-                                      <p:cBhvr additive="base">
-                                        <p:cTn id="20" dur="500" fill="hold"/>
-                                        <p:tgtEl>
-                                          <p:spTgt spid="3">
-                                            <p:txEl>
-                                              <p:pRg st="2" end="2"/>
-                                            </p:txEl>
-                                          </p:spTgt>
-                                        </p:tgtEl>
-                                        <p:attrNameLst>
-                                          <p:attrName>ppt_y</p:attrName>
-                                        </p:attrNameLst>
-                                      </p:cBhvr>
-                                      <p:tavLst>
-                                        <p:tav tm="0">
-                                          <p:val>
-                                            <p:strVal val="1+#ppt_h/2"/>
-                                          </p:val>
-                                        </p:tav>
-                                        <p:tav tm="100000">
-                                          <p:val>
-                                            <p:strVal val="#ppt_y"/>
-                                          </p:val>
-                                        </p:tav>
-                                      </p:tavLst>
-                                    </p:anim>
-                                  </p:childTnLst>
-                                </p:cTn>
-                              </p:par>
-                            </p:childTnLst>
-                          </p:cTn>
-                        </p:par>
-                      </p:childTnLst>
-                    </p:cTn>
-                  </p:par>
-                  <p:par>
-                    <p:cTn id="21" fill="hold">
-                      <p:stCondLst>
-                        <p:cond delay="indefinite"/>
-                      </p:stCondLst>
-                      <p:childTnLst>
-                        <p:par>
-                          <p:cTn id="22" fill="hold">
-                            <p:stCondLst>
-                              <p:cond delay="0"/>
-                            </p:stCondLst>
-                            <p:childTnLst>
-                              <p:par>
-                                <p:cTn id="23" presetID="2" presetClass="entr" presetSubtype="4" fill="hold" nodeType="clickEffect">
-                                  <p:stCondLst>
-                                    <p:cond delay="0"/>
-                                  </p:stCondLst>
-                                  <p:childTnLst>
-                                    <p:set>
-                                      <p:cBhvr>
-                                        <p:cTn id="24" dur="1" fill="hold">
-                                          <p:stCondLst>
-                                            <p:cond delay="0"/>
-                                          </p:stCondLst>
-                                        </p:cTn>
-                                        <p:tgtEl>
-                                          <p:spTgt spid="3">
-                                            <p:txEl>
-                                              <p:pRg st="3" end="3"/>
-                                            </p:txEl>
-                                          </p:spTgt>
-                                        </p:tgtEl>
-                                        <p:attrNameLst>
-                                          <p:attrName>style.visibility</p:attrName>
-                                        </p:attrNameLst>
-                                      </p:cBhvr>
-                                      <p:to>
-                                        <p:strVal val="visible"/>
-                                      </p:to>
-                                    </p:set>
-                                    <p:anim calcmode="lin" valueType="num">
-                                      <p:cBhvr additive="base">
-                                        <p:cTn id="25" dur="500" fill="hold"/>
-                                        <p:tgtEl>
-                                          <p:spTgt spid="3">
-                                            <p:txEl>
-                                              <p:pRg st="3" end="3"/>
-                                            </p:txEl>
-                                          </p:spTgt>
-                                        </p:tgtEl>
-                                        <p:attrNameLst>
-                                          <p:attrName>ppt_x</p:attrName>
-                                        </p:attrNameLst>
-                                      </p:cBhvr>
-                                      <p:tavLst>
-                                        <p:tav tm="0">
-                                          <p:val>
-                                            <p:strVal val="#ppt_x"/>
-                                          </p:val>
-                                        </p:tav>
-                                        <p:tav tm="100000">
-                                          <p:val>
-                                            <p:strVal val="#ppt_x"/>
-                                          </p:val>
-                                        </p:tav>
-                                      </p:tavLst>
-                                    </p:anim>
-                                    <p:anim calcmode="lin" valueType="num">
-                                      <p:cBhvr additive="base">
-                                        <p:cTn id="26" dur="500" fill="hold"/>
-                                        <p:tgtEl>
-                                          <p:spTgt spid="3">
-                                            <p:txEl>
-                                              <p:pRg st="3" end="3"/>
-                                            </p:txEl>
-                                          </p:spTgt>
-                                        </p:tgtEl>
-                                        <p:attrNameLst>
-                                          <p:attrName>ppt_y</p:attrName>
-                                        </p:attrNameLst>
-                                      </p:cBhvr>
-                                      <p:tavLst>
-                                        <p:tav tm="0">
-                                          <p:val>
-                                            <p:strVal val="1+#ppt_h/2"/>
-                                          </p:val>
-                                        </p:tav>
-                                        <p:tav tm="100000">
-                                          <p:val>
-                                            <p:strVal val="#ppt_y"/>
-                                          </p:val>
-                                        </p:tav>
-                                      </p:tavLst>
-                                    </p:anim>
-                                  </p:childTnLst>
-                                </p:cTn>
-                              </p:par>
-                            </p:childTnLst>
-                          </p:cTn>
-                        </p:par>
-                      </p:childTnLst>
-                    </p:cTn>
-                  </p:par>
-                  <p:par>
-                    <p:cTn id="27" fill="hold">
-                      <p:stCondLst>
-                        <p:cond delay="indefinite"/>
-                      </p:stCondLst>
-                      <p:childTnLst>
-                        <p:par>
-                          <p:cTn id="28" fill="hold">
-                            <p:stCondLst>
-                              <p:cond delay="0"/>
-                            </p:stCondLst>
-                            <p:childTnLst>
-                              <p:par>
-                                <p:cTn id="29" presetID="2" presetClass="entr" presetSubtype="4" fill="hold" nodeType="clickEffect">
-                                  <p:stCondLst>
-                                    <p:cond delay="0"/>
-                                  </p:stCondLst>
-                                  <p:childTnLst>
-                                    <p:set>
-                                      <p:cBhvr>
-                                        <p:cTn id="30" dur="1" fill="hold">
-                                          <p:stCondLst>
-                                            <p:cond delay="0"/>
-                                          </p:stCondLst>
-                                        </p:cTn>
-                                        <p:tgtEl>
-                                          <p:spTgt spid="3">
-                                            <p:txEl>
-                                              <p:pRg st="4" end="4"/>
-                                            </p:txEl>
-                                          </p:spTgt>
-                                        </p:tgtEl>
-                                        <p:attrNameLst>
-                                          <p:attrName>style.visibility</p:attrName>
-                                        </p:attrNameLst>
-                                      </p:cBhvr>
-                                      <p:to>
-                                        <p:strVal val="visible"/>
-                                      </p:to>
-                                    </p:set>
-                                    <p:anim calcmode="lin" valueType="num">
-                                      <p:cBhvr additive="base">
-                                        <p:cTn id="31" dur="500" fill="hold"/>
-                                        <p:tgtEl>
-                                          <p:spTgt spid="3">
-                                            <p:txEl>
-                                              <p:pRg st="4" end="4"/>
-                                            </p:txEl>
-                                          </p:spTgt>
-                                        </p:tgtEl>
-                                        <p:attrNameLst>
-                                          <p:attrName>ppt_x</p:attrName>
-                                        </p:attrNameLst>
-                                      </p:cBhvr>
-                                      <p:tavLst>
-                                        <p:tav tm="0">
-                                          <p:val>
-                                            <p:strVal val="#ppt_x"/>
-                                          </p:val>
-                                        </p:tav>
-                                        <p:tav tm="100000">
-                                          <p:val>
-                                            <p:strVal val="#ppt_x"/>
-                                          </p:val>
-                                        </p:tav>
-                                      </p:tavLst>
-                                    </p:anim>
-                                    <p:anim calcmode="lin" valueType="num">
-                                      <p:cBhvr additive="base">
-                                        <p:cTn id="32" dur="500" fill="hold"/>
-                                        <p:tgtEl>
-                                          <p:spTgt spid="3">
-                                            <p:txEl>
-                                              <p:pRg st="4" end="4"/>
-                                            </p:txEl>
-                                          </p:spTgt>
-                                        </p:tgtEl>
-                                        <p:attrNameLst>
-                                          <p:attrName>ppt_y</p:attrName>
-                                        </p:attrNameLst>
-                                      </p:cBhvr>
-                                      <p:tavLst>
-                                        <p:tav tm="0">
-                                          <p:val>
-                                            <p:strVal val="1+#ppt_h/2"/>
-                                          </p:val>
-                                        </p:tav>
-                                        <p:tav tm="100000">
-                                          <p:val>
-                                            <p:strVal val="#ppt_y"/>
-                                          </p:val>
-                                        </p:tav>
-                                      </p:tavLst>
-                                    </p:anim>
-                                  </p:childTnLst>
-                                </p:cTn>
-                              </p:par>
-                            </p:childTnLst>
-                          </p:cTn>
-                        </p:par>
-                      </p:childTnLst>
-                    </p:cTn>
-                  </p:par>
-                </p:childTnLst>
-              </p:cTn>
-              <p:prevCondLst>
-                <p:cond evt="onPrev" delay="0">
-                  <p:tgtEl>
-                    <p:sldTgt/>
-                  </p:tgtEl>
-                </p:cond>
-              </p:prevCondLst>
-              <p:nextCondLst>
-                <p:cond evt="onNext" delay="0">
-                  <p:tgtEl>
-                    <p:sldTgt/>
-                  </p:tgtEl>
-                </p:cond>
-              </p:nextCondLst>
-            </p:seq>
-          </p:childTnLst>
-        </p:cTn>
-      </p:par>
-    </p:tnLst>
-  </p:timing>
-</p:sld>
-</file>
-
-<file path=ppt/slides/slide12.xml><?xml version="1.0" encoding="utf-8"?>
-<p:sld xmlns:a="http://schemas.openxmlformats.org/drawingml/2006/main" xmlns:r="http://schemas.openxmlformats.org/officeDocument/2006/relationships" xmlns:p="http://schemas.openxmlformats.org/presentationml/2006/main">
-  <p:cSld>
-    <p:spTree>
-      <p:nvGrpSpPr>
-        <p:cNvPr id="1" name=""/>
-        <p:cNvGrpSpPr/>
-        <p:nvPr/>
-      </p:nvGrpSpPr>
-      <p:grpSpPr>
-        <a:xfrm>
-          <a:off x="0" y="0"/>
-          <a:ext cx="0" cy="0"/>
-          <a:chOff x="0" y="0"/>
-          <a:chExt cx="0" cy="0"/>
-        </a:xfrm>
-      </p:grpSpPr>
-      <p:sp>
-        <p:nvSpPr>
-          <p:cNvPr id="2" name="Title 1"/>
-          <p:cNvSpPr>
-            <a:spLocks noGrp="1"/>
-          </p:cNvSpPr>
-          <p:nvPr>
-            <p:ph type="title"/>
-          </p:nvPr>
-        </p:nvSpPr>
-        <p:spPr/>
-        <p:txBody>
-          <a:bodyPr/>
-          <a:lstStyle/>
-          <a:p>
-            <a:r>
               <a:rPr lang="en-US" dirty="0" smtClean="0"/>
               <a:t>Sample Text File</a:t>
             </a:r>
@@ -4933,7 +4493,7 @@
 </p:sld>
 </file>
 
-<file path=ppt/slides/slide13.xml><?xml version="1.0" encoding="utf-8"?>
+<file path=ppt/slides/slide12.xml><?xml version="1.0" encoding="utf-8"?>
 <p:sld xmlns:a="http://schemas.openxmlformats.org/drawingml/2006/main" xmlns:r="http://schemas.openxmlformats.org/officeDocument/2006/relationships" xmlns:p="http://schemas.openxmlformats.org/presentationml/2006/main">
   <p:cSld>
     <p:spTree>
@@ -5213,6 +4773,557 @@
                                           <p:spTgt spid="3">
                                             <p:txEl>
                                               <p:pRg st="1" end="1"/>
+                                            </p:txEl>
+                                          </p:spTgt>
+                                        </p:tgtEl>
+                                        <p:attrNameLst>
+                                          <p:attrName>ppt_y</p:attrName>
+                                        </p:attrNameLst>
+                                      </p:cBhvr>
+                                      <p:tavLst>
+                                        <p:tav tm="0">
+                                          <p:val>
+                                            <p:strVal val="1+#ppt_h/2"/>
+                                          </p:val>
+                                        </p:tav>
+                                        <p:tav tm="100000">
+                                          <p:val>
+                                            <p:strVal val="#ppt_y"/>
+                                          </p:val>
+                                        </p:tav>
+                                      </p:tavLst>
+                                    </p:anim>
+                                  </p:childTnLst>
+                                </p:cTn>
+                              </p:par>
+                            </p:childTnLst>
+                          </p:cTn>
+                        </p:par>
+                      </p:childTnLst>
+                    </p:cTn>
+                  </p:par>
+                </p:childTnLst>
+              </p:cTn>
+              <p:prevCondLst>
+                <p:cond evt="onPrev" delay="0">
+                  <p:tgtEl>
+                    <p:sldTgt/>
+                  </p:tgtEl>
+                </p:cond>
+              </p:prevCondLst>
+              <p:nextCondLst>
+                <p:cond evt="onNext" delay="0">
+                  <p:tgtEl>
+                    <p:sldTgt/>
+                  </p:tgtEl>
+                </p:cond>
+              </p:nextCondLst>
+            </p:seq>
+          </p:childTnLst>
+        </p:cTn>
+      </p:par>
+    </p:tnLst>
+  </p:timing>
+</p:sld>
+</file>
+
+<file path=ppt/slides/slide13.xml><?xml version="1.0" encoding="utf-8"?>
+<p:sld xmlns:a="http://schemas.openxmlformats.org/drawingml/2006/main" xmlns:r="http://schemas.openxmlformats.org/officeDocument/2006/relationships" xmlns:p="http://schemas.openxmlformats.org/presentationml/2006/main">
+  <p:cSld>
+    <p:spTree>
+      <p:nvGrpSpPr>
+        <p:cNvPr id="1" name=""/>
+        <p:cNvGrpSpPr/>
+        <p:nvPr/>
+      </p:nvGrpSpPr>
+      <p:grpSpPr>
+        <a:xfrm>
+          <a:off x="0" y="0"/>
+          <a:ext cx="0" cy="0"/>
+          <a:chOff x="0" y="0"/>
+          <a:chExt cx="0" cy="0"/>
+        </a:xfrm>
+      </p:grpSpPr>
+      <p:sp>
+        <p:nvSpPr>
+          <p:cNvPr id="2" name="Title 1"/>
+          <p:cNvSpPr>
+            <a:spLocks noGrp="1"/>
+          </p:cNvSpPr>
+          <p:nvPr>
+            <p:ph type="title"/>
+          </p:nvPr>
+        </p:nvSpPr>
+        <p:spPr/>
+        <p:txBody>
+          <a:bodyPr/>
+          <a:lstStyle/>
+          <a:p>
+            <a:pPr lvl="0"/>
+            <a:r>
+              <a:rPr lang="en-US" b="1" dirty="0"/>
+              <a:t>Padding Scheme</a:t>
+            </a:r>
+            <a:r>
+              <a:rPr lang="en-US" b="1" dirty="0" smtClean="0"/>
+              <a:t>:</a:t>
+            </a:r>
+            <a:endParaRPr lang="en-US" dirty="0"/>
+          </a:p>
+        </p:txBody>
+      </p:sp>
+      <p:sp>
+        <p:nvSpPr>
+          <p:cNvPr id="3" name="Content Placeholder 2"/>
+          <p:cNvSpPr>
+            <a:spLocks noGrp="1"/>
+          </p:cNvSpPr>
+          <p:nvPr>
+            <p:ph idx="1"/>
+          </p:nvPr>
+        </p:nvSpPr>
+        <p:spPr/>
+        <p:txBody>
+          <a:bodyPr/>
+          <a:lstStyle/>
+          <a:p>
+            <a:pPr lvl="0"/>
+            <a:r>
+              <a:rPr lang="en-US" dirty="0"/>
+              <a:t>The length of the message is first determined.</a:t>
+            </a:r>
+          </a:p>
+          <a:p>
+            <a:pPr lvl="0"/>
+            <a:r>
+              <a:rPr lang="en-US" dirty="0"/>
+              <a:t>Next, the no. of characters(say n) needed to make the message a multiple of 32 is determined.</a:t>
+            </a:r>
+          </a:p>
+          <a:p>
+            <a:pPr lvl="0"/>
+            <a:r>
+              <a:rPr lang="en-US" dirty="0"/>
+              <a:t>The message is padded n/2 times with the value n/2.</a:t>
+            </a:r>
+          </a:p>
+          <a:p>
+            <a:pPr marL="0" indent="0">
+              <a:buNone/>
+            </a:pPr>
+            <a:r>
+              <a:rPr lang="en-US" dirty="0"/>
+              <a:t>This padding scheme was chosen because it is very simple to understand and easy to </a:t>
+            </a:r>
+            <a:r>
+              <a:rPr lang="en-US" dirty="0" smtClean="0"/>
+              <a:t>implement.</a:t>
+            </a:r>
+            <a:endParaRPr lang="en-US" dirty="0"/>
+          </a:p>
+        </p:txBody>
+      </p:sp>
+    </p:spTree>
+    <p:extLst>
+      <p:ext uri="{BB962C8B-B14F-4D97-AF65-F5344CB8AC3E}">
+        <p14:creationId xmlns:p14="http://schemas.microsoft.com/office/powerpoint/2010/main" val="2723722430"/>
+      </p:ext>
+    </p:extLst>
+  </p:cSld>
+  <p:clrMapOvr>
+    <a:masterClrMapping/>
+  </p:clrMapOvr>
+  <p:timing>
+    <p:tnLst>
+      <p:par>
+        <p:cTn id="1" dur="indefinite" restart="never" nodeType="tmRoot">
+          <p:childTnLst>
+            <p:seq concurrent="1" nextAc="seek">
+              <p:cTn id="2" dur="indefinite" nodeType="mainSeq">
+                <p:childTnLst>
+                  <p:par>
+                    <p:cTn id="3" fill="hold">
+                      <p:stCondLst>
+                        <p:cond delay="indefinite"/>
+                      </p:stCondLst>
+                      <p:childTnLst>
+                        <p:par>
+                          <p:cTn id="4" fill="hold">
+                            <p:stCondLst>
+                              <p:cond delay="0"/>
+                            </p:stCondLst>
+                            <p:childTnLst>
+                              <p:par>
+                                <p:cTn id="5" presetID="2" presetClass="entr" presetSubtype="4" fill="hold" nodeType="clickEffect">
+                                  <p:stCondLst>
+                                    <p:cond delay="0"/>
+                                  </p:stCondLst>
+                                  <p:childTnLst>
+                                    <p:set>
+                                      <p:cBhvr>
+                                        <p:cTn id="6" dur="1" fill="hold">
+                                          <p:stCondLst>
+                                            <p:cond delay="0"/>
+                                          </p:stCondLst>
+                                        </p:cTn>
+                                        <p:tgtEl>
+                                          <p:spTgt spid="3">
+                                            <p:txEl>
+                                              <p:pRg st="0" end="0"/>
+                                            </p:txEl>
+                                          </p:spTgt>
+                                        </p:tgtEl>
+                                        <p:attrNameLst>
+                                          <p:attrName>style.visibility</p:attrName>
+                                        </p:attrNameLst>
+                                      </p:cBhvr>
+                                      <p:to>
+                                        <p:strVal val="visible"/>
+                                      </p:to>
+                                    </p:set>
+                                    <p:anim calcmode="lin" valueType="num">
+                                      <p:cBhvr additive="base">
+                                        <p:cTn id="7" dur="500" fill="hold"/>
+                                        <p:tgtEl>
+                                          <p:spTgt spid="3">
+                                            <p:txEl>
+                                              <p:pRg st="0" end="0"/>
+                                            </p:txEl>
+                                          </p:spTgt>
+                                        </p:tgtEl>
+                                        <p:attrNameLst>
+                                          <p:attrName>ppt_x</p:attrName>
+                                        </p:attrNameLst>
+                                      </p:cBhvr>
+                                      <p:tavLst>
+                                        <p:tav tm="0">
+                                          <p:val>
+                                            <p:strVal val="#ppt_x"/>
+                                          </p:val>
+                                        </p:tav>
+                                        <p:tav tm="100000">
+                                          <p:val>
+                                            <p:strVal val="#ppt_x"/>
+                                          </p:val>
+                                        </p:tav>
+                                      </p:tavLst>
+                                    </p:anim>
+                                    <p:anim calcmode="lin" valueType="num">
+                                      <p:cBhvr additive="base">
+                                        <p:cTn id="8" dur="500" fill="hold"/>
+                                        <p:tgtEl>
+                                          <p:spTgt spid="3">
+                                            <p:txEl>
+                                              <p:pRg st="0" end="0"/>
+                                            </p:txEl>
+                                          </p:spTgt>
+                                        </p:tgtEl>
+                                        <p:attrNameLst>
+                                          <p:attrName>ppt_y</p:attrName>
+                                        </p:attrNameLst>
+                                      </p:cBhvr>
+                                      <p:tavLst>
+                                        <p:tav tm="0">
+                                          <p:val>
+                                            <p:strVal val="1+#ppt_h/2"/>
+                                          </p:val>
+                                        </p:tav>
+                                        <p:tav tm="100000">
+                                          <p:val>
+                                            <p:strVal val="#ppt_y"/>
+                                          </p:val>
+                                        </p:tav>
+                                      </p:tavLst>
+                                    </p:anim>
+                                  </p:childTnLst>
+                                </p:cTn>
+                              </p:par>
+                            </p:childTnLst>
+                          </p:cTn>
+                        </p:par>
+                      </p:childTnLst>
+                    </p:cTn>
+                  </p:par>
+                  <p:par>
+                    <p:cTn id="9" fill="hold">
+                      <p:stCondLst>
+                        <p:cond delay="indefinite"/>
+                      </p:stCondLst>
+                      <p:childTnLst>
+                        <p:par>
+                          <p:cTn id="10" fill="hold">
+                            <p:stCondLst>
+                              <p:cond delay="0"/>
+                            </p:stCondLst>
+                            <p:childTnLst>
+                              <p:par>
+                                <p:cTn id="11" presetID="2" presetClass="entr" presetSubtype="4" fill="hold" nodeType="clickEffect">
+                                  <p:stCondLst>
+                                    <p:cond delay="0"/>
+                                  </p:stCondLst>
+                                  <p:childTnLst>
+                                    <p:set>
+                                      <p:cBhvr>
+                                        <p:cTn id="12" dur="1" fill="hold">
+                                          <p:stCondLst>
+                                            <p:cond delay="0"/>
+                                          </p:stCondLst>
+                                        </p:cTn>
+                                        <p:tgtEl>
+                                          <p:spTgt spid="3">
+                                            <p:txEl>
+                                              <p:pRg st="1" end="1"/>
+                                            </p:txEl>
+                                          </p:spTgt>
+                                        </p:tgtEl>
+                                        <p:attrNameLst>
+                                          <p:attrName>style.visibility</p:attrName>
+                                        </p:attrNameLst>
+                                      </p:cBhvr>
+                                      <p:to>
+                                        <p:strVal val="visible"/>
+                                      </p:to>
+                                    </p:set>
+                                    <p:anim calcmode="lin" valueType="num">
+                                      <p:cBhvr additive="base">
+                                        <p:cTn id="13" dur="500" fill="hold"/>
+                                        <p:tgtEl>
+                                          <p:spTgt spid="3">
+                                            <p:txEl>
+                                              <p:pRg st="1" end="1"/>
+                                            </p:txEl>
+                                          </p:spTgt>
+                                        </p:tgtEl>
+                                        <p:attrNameLst>
+                                          <p:attrName>ppt_x</p:attrName>
+                                        </p:attrNameLst>
+                                      </p:cBhvr>
+                                      <p:tavLst>
+                                        <p:tav tm="0">
+                                          <p:val>
+                                            <p:strVal val="#ppt_x"/>
+                                          </p:val>
+                                        </p:tav>
+                                        <p:tav tm="100000">
+                                          <p:val>
+                                            <p:strVal val="#ppt_x"/>
+                                          </p:val>
+                                        </p:tav>
+                                      </p:tavLst>
+                                    </p:anim>
+                                    <p:anim calcmode="lin" valueType="num">
+                                      <p:cBhvr additive="base">
+                                        <p:cTn id="14" dur="500" fill="hold"/>
+                                        <p:tgtEl>
+                                          <p:spTgt spid="3">
+                                            <p:txEl>
+                                              <p:pRg st="1" end="1"/>
+                                            </p:txEl>
+                                          </p:spTgt>
+                                        </p:tgtEl>
+                                        <p:attrNameLst>
+                                          <p:attrName>ppt_y</p:attrName>
+                                        </p:attrNameLst>
+                                      </p:cBhvr>
+                                      <p:tavLst>
+                                        <p:tav tm="0">
+                                          <p:val>
+                                            <p:strVal val="1+#ppt_h/2"/>
+                                          </p:val>
+                                        </p:tav>
+                                        <p:tav tm="100000">
+                                          <p:val>
+                                            <p:strVal val="#ppt_y"/>
+                                          </p:val>
+                                        </p:tav>
+                                      </p:tavLst>
+                                    </p:anim>
+                                  </p:childTnLst>
+                                </p:cTn>
+                              </p:par>
+                            </p:childTnLst>
+                          </p:cTn>
+                        </p:par>
+                      </p:childTnLst>
+                    </p:cTn>
+                  </p:par>
+                  <p:par>
+                    <p:cTn id="15" fill="hold">
+                      <p:stCondLst>
+                        <p:cond delay="indefinite"/>
+                      </p:stCondLst>
+                      <p:childTnLst>
+                        <p:par>
+                          <p:cTn id="16" fill="hold">
+                            <p:stCondLst>
+                              <p:cond delay="0"/>
+                            </p:stCondLst>
+                            <p:childTnLst>
+                              <p:par>
+                                <p:cTn id="17" presetID="2" presetClass="entr" presetSubtype="4" fill="hold" nodeType="clickEffect">
+                                  <p:stCondLst>
+                                    <p:cond delay="0"/>
+                                  </p:stCondLst>
+                                  <p:childTnLst>
+                                    <p:set>
+                                      <p:cBhvr>
+                                        <p:cTn id="18" dur="1" fill="hold">
+                                          <p:stCondLst>
+                                            <p:cond delay="0"/>
+                                          </p:stCondLst>
+                                        </p:cTn>
+                                        <p:tgtEl>
+                                          <p:spTgt spid="3">
+                                            <p:txEl>
+                                              <p:pRg st="2" end="2"/>
+                                            </p:txEl>
+                                          </p:spTgt>
+                                        </p:tgtEl>
+                                        <p:attrNameLst>
+                                          <p:attrName>style.visibility</p:attrName>
+                                        </p:attrNameLst>
+                                      </p:cBhvr>
+                                      <p:to>
+                                        <p:strVal val="visible"/>
+                                      </p:to>
+                                    </p:set>
+                                    <p:anim calcmode="lin" valueType="num">
+                                      <p:cBhvr additive="base">
+                                        <p:cTn id="19" dur="500" fill="hold"/>
+                                        <p:tgtEl>
+                                          <p:spTgt spid="3">
+                                            <p:txEl>
+                                              <p:pRg st="2" end="2"/>
+                                            </p:txEl>
+                                          </p:spTgt>
+                                        </p:tgtEl>
+                                        <p:attrNameLst>
+                                          <p:attrName>ppt_x</p:attrName>
+                                        </p:attrNameLst>
+                                      </p:cBhvr>
+                                      <p:tavLst>
+                                        <p:tav tm="0">
+                                          <p:val>
+                                            <p:strVal val="#ppt_x"/>
+                                          </p:val>
+                                        </p:tav>
+                                        <p:tav tm="100000">
+                                          <p:val>
+                                            <p:strVal val="#ppt_x"/>
+                                          </p:val>
+                                        </p:tav>
+                                      </p:tavLst>
+                                    </p:anim>
+                                    <p:anim calcmode="lin" valueType="num">
+                                      <p:cBhvr additive="base">
+                                        <p:cTn id="20" dur="500" fill="hold"/>
+                                        <p:tgtEl>
+                                          <p:spTgt spid="3">
+                                            <p:txEl>
+                                              <p:pRg st="2" end="2"/>
+                                            </p:txEl>
+                                          </p:spTgt>
+                                        </p:tgtEl>
+                                        <p:attrNameLst>
+                                          <p:attrName>ppt_y</p:attrName>
+                                        </p:attrNameLst>
+                                      </p:cBhvr>
+                                      <p:tavLst>
+                                        <p:tav tm="0">
+                                          <p:val>
+                                            <p:strVal val="1+#ppt_h/2"/>
+                                          </p:val>
+                                        </p:tav>
+                                        <p:tav tm="100000">
+                                          <p:val>
+                                            <p:strVal val="#ppt_y"/>
+                                          </p:val>
+                                        </p:tav>
+                                      </p:tavLst>
+                                    </p:anim>
+                                  </p:childTnLst>
+                                </p:cTn>
+                              </p:par>
+                            </p:childTnLst>
+                          </p:cTn>
+                        </p:par>
+                      </p:childTnLst>
+                    </p:cTn>
+                  </p:par>
+                  <p:par>
+                    <p:cTn id="21" fill="hold">
+                      <p:stCondLst>
+                        <p:cond delay="indefinite"/>
+                      </p:stCondLst>
+                      <p:childTnLst>
+                        <p:par>
+                          <p:cTn id="22" fill="hold">
+                            <p:stCondLst>
+                              <p:cond delay="0"/>
+                            </p:stCondLst>
+                            <p:childTnLst>
+                              <p:par>
+                                <p:cTn id="23" presetID="2" presetClass="entr" presetSubtype="4" fill="hold" nodeType="clickEffect">
+                                  <p:stCondLst>
+                                    <p:cond delay="0"/>
+                                  </p:stCondLst>
+                                  <p:childTnLst>
+                                    <p:set>
+                                      <p:cBhvr>
+                                        <p:cTn id="24" dur="1" fill="hold">
+                                          <p:stCondLst>
+                                            <p:cond delay="0"/>
+                                          </p:stCondLst>
+                                        </p:cTn>
+                                        <p:tgtEl>
+                                          <p:spTgt spid="3">
+                                            <p:txEl>
+                                              <p:pRg st="3" end="3"/>
+                                            </p:txEl>
+                                          </p:spTgt>
+                                        </p:tgtEl>
+                                        <p:attrNameLst>
+                                          <p:attrName>style.visibility</p:attrName>
+                                        </p:attrNameLst>
+                                      </p:cBhvr>
+                                      <p:to>
+                                        <p:strVal val="visible"/>
+                                      </p:to>
+                                    </p:set>
+                                    <p:anim calcmode="lin" valueType="num">
+                                      <p:cBhvr additive="base">
+                                        <p:cTn id="25" dur="500" fill="hold"/>
+                                        <p:tgtEl>
+                                          <p:spTgt spid="3">
+                                            <p:txEl>
+                                              <p:pRg st="3" end="3"/>
+                                            </p:txEl>
+                                          </p:spTgt>
+                                        </p:tgtEl>
+                                        <p:attrNameLst>
+                                          <p:attrName>ppt_x</p:attrName>
+                                        </p:attrNameLst>
+                                      </p:cBhvr>
+                                      <p:tavLst>
+                                        <p:tav tm="0">
+                                          <p:val>
+                                            <p:strVal val="#ppt_x"/>
+                                          </p:val>
+                                        </p:tav>
+                                        <p:tav tm="100000">
+                                          <p:val>
+                                            <p:strVal val="#ppt_x"/>
+                                          </p:val>
+                                        </p:tav>
+                                      </p:tavLst>
+                                    </p:anim>
+                                    <p:anim calcmode="lin" valueType="num">
+                                      <p:cBhvr additive="base">
+                                        <p:cTn id="26" dur="500" fill="hold"/>
+                                        <p:tgtEl>
+                                          <p:spTgt spid="3">
+                                            <p:txEl>
+                                              <p:pRg st="3" end="3"/>
                                             </p:txEl>
                                           </p:spTgt>
                                         </p:tgtEl>
@@ -5302,557 +5413,6 @@
             <a:pPr lvl="0"/>
             <a:r>
               <a:rPr lang="en-US" b="1" dirty="0"/>
-              <a:t>Padding Scheme</a:t>
-            </a:r>
-            <a:r>
-              <a:rPr lang="en-US" b="1" dirty="0" smtClean="0"/>
-              <a:t>:</a:t>
-            </a:r>
-            <a:endParaRPr lang="en-US" dirty="0"/>
-          </a:p>
-        </p:txBody>
-      </p:sp>
-      <p:sp>
-        <p:nvSpPr>
-          <p:cNvPr id="3" name="Content Placeholder 2"/>
-          <p:cNvSpPr>
-            <a:spLocks noGrp="1"/>
-          </p:cNvSpPr>
-          <p:nvPr>
-            <p:ph idx="1"/>
-          </p:nvPr>
-        </p:nvSpPr>
-        <p:spPr/>
-        <p:txBody>
-          <a:bodyPr/>
-          <a:lstStyle/>
-          <a:p>
-            <a:pPr lvl="0"/>
-            <a:r>
-              <a:rPr lang="en-US" dirty="0"/>
-              <a:t>The length of the message is first determined.</a:t>
-            </a:r>
-          </a:p>
-          <a:p>
-            <a:pPr lvl="0"/>
-            <a:r>
-              <a:rPr lang="en-US" dirty="0"/>
-              <a:t>Next, the no. of characters(say n) needed to make the message a multiple of 32 is determined.</a:t>
-            </a:r>
-          </a:p>
-          <a:p>
-            <a:pPr lvl="0"/>
-            <a:r>
-              <a:rPr lang="en-US" dirty="0"/>
-              <a:t>The message is padded n/2 times with the value n/2.</a:t>
-            </a:r>
-          </a:p>
-          <a:p>
-            <a:pPr marL="0" indent="0">
-              <a:buNone/>
-            </a:pPr>
-            <a:r>
-              <a:rPr lang="en-US" dirty="0"/>
-              <a:t>This padding scheme was chosen because it is very simple to understand and easy to </a:t>
-            </a:r>
-            <a:r>
-              <a:rPr lang="en-US" dirty="0" smtClean="0"/>
-              <a:t>implement.</a:t>
-            </a:r>
-            <a:endParaRPr lang="en-US" dirty="0"/>
-          </a:p>
-        </p:txBody>
-      </p:sp>
-    </p:spTree>
-    <p:extLst>
-      <p:ext uri="{BB962C8B-B14F-4D97-AF65-F5344CB8AC3E}">
-        <p14:creationId xmlns:p14="http://schemas.microsoft.com/office/powerpoint/2010/main" val="2723722430"/>
-      </p:ext>
-    </p:extLst>
-  </p:cSld>
-  <p:clrMapOvr>
-    <a:masterClrMapping/>
-  </p:clrMapOvr>
-  <p:timing>
-    <p:tnLst>
-      <p:par>
-        <p:cTn id="1" dur="indefinite" restart="never" nodeType="tmRoot">
-          <p:childTnLst>
-            <p:seq concurrent="1" nextAc="seek">
-              <p:cTn id="2" dur="indefinite" nodeType="mainSeq">
-                <p:childTnLst>
-                  <p:par>
-                    <p:cTn id="3" fill="hold">
-                      <p:stCondLst>
-                        <p:cond delay="indefinite"/>
-                      </p:stCondLst>
-                      <p:childTnLst>
-                        <p:par>
-                          <p:cTn id="4" fill="hold">
-                            <p:stCondLst>
-                              <p:cond delay="0"/>
-                            </p:stCondLst>
-                            <p:childTnLst>
-                              <p:par>
-                                <p:cTn id="5" presetID="2" presetClass="entr" presetSubtype="4" fill="hold" nodeType="clickEffect">
-                                  <p:stCondLst>
-                                    <p:cond delay="0"/>
-                                  </p:stCondLst>
-                                  <p:childTnLst>
-                                    <p:set>
-                                      <p:cBhvr>
-                                        <p:cTn id="6" dur="1" fill="hold">
-                                          <p:stCondLst>
-                                            <p:cond delay="0"/>
-                                          </p:stCondLst>
-                                        </p:cTn>
-                                        <p:tgtEl>
-                                          <p:spTgt spid="3">
-                                            <p:txEl>
-                                              <p:pRg st="0" end="0"/>
-                                            </p:txEl>
-                                          </p:spTgt>
-                                        </p:tgtEl>
-                                        <p:attrNameLst>
-                                          <p:attrName>style.visibility</p:attrName>
-                                        </p:attrNameLst>
-                                      </p:cBhvr>
-                                      <p:to>
-                                        <p:strVal val="visible"/>
-                                      </p:to>
-                                    </p:set>
-                                    <p:anim calcmode="lin" valueType="num">
-                                      <p:cBhvr additive="base">
-                                        <p:cTn id="7" dur="500" fill="hold"/>
-                                        <p:tgtEl>
-                                          <p:spTgt spid="3">
-                                            <p:txEl>
-                                              <p:pRg st="0" end="0"/>
-                                            </p:txEl>
-                                          </p:spTgt>
-                                        </p:tgtEl>
-                                        <p:attrNameLst>
-                                          <p:attrName>ppt_x</p:attrName>
-                                        </p:attrNameLst>
-                                      </p:cBhvr>
-                                      <p:tavLst>
-                                        <p:tav tm="0">
-                                          <p:val>
-                                            <p:strVal val="#ppt_x"/>
-                                          </p:val>
-                                        </p:tav>
-                                        <p:tav tm="100000">
-                                          <p:val>
-                                            <p:strVal val="#ppt_x"/>
-                                          </p:val>
-                                        </p:tav>
-                                      </p:tavLst>
-                                    </p:anim>
-                                    <p:anim calcmode="lin" valueType="num">
-                                      <p:cBhvr additive="base">
-                                        <p:cTn id="8" dur="500" fill="hold"/>
-                                        <p:tgtEl>
-                                          <p:spTgt spid="3">
-                                            <p:txEl>
-                                              <p:pRg st="0" end="0"/>
-                                            </p:txEl>
-                                          </p:spTgt>
-                                        </p:tgtEl>
-                                        <p:attrNameLst>
-                                          <p:attrName>ppt_y</p:attrName>
-                                        </p:attrNameLst>
-                                      </p:cBhvr>
-                                      <p:tavLst>
-                                        <p:tav tm="0">
-                                          <p:val>
-                                            <p:strVal val="1+#ppt_h/2"/>
-                                          </p:val>
-                                        </p:tav>
-                                        <p:tav tm="100000">
-                                          <p:val>
-                                            <p:strVal val="#ppt_y"/>
-                                          </p:val>
-                                        </p:tav>
-                                      </p:tavLst>
-                                    </p:anim>
-                                  </p:childTnLst>
-                                </p:cTn>
-                              </p:par>
-                            </p:childTnLst>
-                          </p:cTn>
-                        </p:par>
-                      </p:childTnLst>
-                    </p:cTn>
-                  </p:par>
-                  <p:par>
-                    <p:cTn id="9" fill="hold">
-                      <p:stCondLst>
-                        <p:cond delay="indefinite"/>
-                      </p:stCondLst>
-                      <p:childTnLst>
-                        <p:par>
-                          <p:cTn id="10" fill="hold">
-                            <p:stCondLst>
-                              <p:cond delay="0"/>
-                            </p:stCondLst>
-                            <p:childTnLst>
-                              <p:par>
-                                <p:cTn id="11" presetID="2" presetClass="entr" presetSubtype="4" fill="hold" nodeType="clickEffect">
-                                  <p:stCondLst>
-                                    <p:cond delay="0"/>
-                                  </p:stCondLst>
-                                  <p:childTnLst>
-                                    <p:set>
-                                      <p:cBhvr>
-                                        <p:cTn id="12" dur="1" fill="hold">
-                                          <p:stCondLst>
-                                            <p:cond delay="0"/>
-                                          </p:stCondLst>
-                                        </p:cTn>
-                                        <p:tgtEl>
-                                          <p:spTgt spid="3">
-                                            <p:txEl>
-                                              <p:pRg st="1" end="1"/>
-                                            </p:txEl>
-                                          </p:spTgt>
-                                        </p:tgtEl>
-                                        <p:attrNameLst>
-                                          <p:attrName>style.visibility</p:attrName>
-                                        </p:attrNameLst>
-                                      </p:cBhvr>
-                                      <p:to>
-                                        <p:strVal val="visible"/>
-                                      </p:to>
-                                    </p:set>
-                                    <p:anim calcmode="lin" valueType="num">
-                                      <p:cBhvr additive="base">
-                                        <p:cTn id="13" dur="500" fill="hold"/>
-                                        <p:tgtEl>
-                                          <p:spTgt spid="3">
-                                            <p:txEl>
-                                              <p:pRg st="1" end="1"/>
-                                            </p:txEl>
-                                          </p:spTgt>
-                                        </p:tgtEl>
-                                        <p:attrNameLst>
-                                          <p:attrName>ppt_x</p:attrName>
-                                        </p:attrNameLst>
-                                      </p:cBhvr>
-                                      <p:tavLst>
-                                        <p:tav tm="0">
-                                          <p:val>
-                                            <p:strVal val="#ppt_x"/>
-                                          </p:val>
-                                        </p:tav>
-                                        <p:tav tm="100000">
-                                          <p:val>
-                                            <p:strVal val="#ppt_x"/>
-                                          </p:val>
-                                        </p:tav>
-                                      </p:tavLst>
-                                    </p:anim>
-                                    <p:anim calcmode="lin" valueType="num">
-                                      <p:cBhvr additive="base">
-                                        <p:cTn id="14" dur="500" fill="hold"/>
-                                        <p:tgtEl>
-                                          <p:spTgt spid="3">
-                                            <p:txEl>
-                                              <p:pRg st="1" end="1"/>
-                                            </p:txEl>
-                                          </p:spTgt>
-                                        </p:tgtEl>
-                                        <p:attrNameLst>
-                                          <p:attrName>ppt_y</p:attrName>
-                                        </p:attrNameLst>
-                                      </p:cBhvr>
-                                      <p:tavLst>
-                                        <p:tav tm="0">
-                                          <p:val>
-                                            <p:strVal val="1+#ppt_h/2"/>
-                                          </p:val>
-                                        </p:tav>
-                                        <p:tav tm="100000">
-                                          <p:val>
-                                            <p:strVal val="#ppt_y"/>
-                                          </p:val>
-                                        </p:tav>
-                                      </p:tavLst>
-                                    </p:anim>
-                                  </p:childTnLst>
-                                </p:cTn>
-                              </p:par>
-                            </p:childTnLst>
-                          </p:cTn>
-                        </p:par>
-                      </p:childTnLst>
-                    </p:cTn>
-                  </p:par>
-                  <p:par>
-                    <p:cTn id="15" fill="hold">
-                      <p:stCondLst>
-                        <p:cond delay="indefinite"/>
-                      </p:stCondLst>
-                      <p:childTnLst>
-                        <p:par>
-                          <p:cTn id="16" fill="hold">
-                            <p:stCondLst>
-                              <p:cond delay="0"/>
-                            </p:stCondLst>
-                            <p:childTnLst>
-                              <p:par>
-                                <p:cTn id="17" presetID="2" presetClass="entr" presetSubtype="4" fill="hold" nodeType="clickEffect">
-                                  <p:stCondLst>
-                                    <p:cond delay="0"/>
-                                  </p:stCondLst>
-                                  <p:childTnLst>
-                                    <p:set>
-                                      <p:cBhvr>
-                                        <p:cTn id="18" dur="1" fill="hold">
-                                          <p:stCondLst>
-                                            <p:cond delay="0"/>
-                                          </p:stCondLst>
-                                        </p:cTn>
-                                        <p:tgtEl>
-                                          <p:spTgt spid="3">
-                                            <p:txEl>
-                                              <p:pRg st="2" end="2"/>
-                                            </p:txEl>
-                                          </p:spTgt>
-                                        </p:tgtEl>
-                                        <p:attrNameLst>
-                                          <p:attrName>style.visibility</p:attrName>
-                                        </p:attrNameLst>
-                                      </p:cBhvr>
-                                      <p:to>
-                                        <p:strVal val="visible"/>
-                                      </p:to>
-                                    </p:set>
-                                    <p:anim calcmode="lin" valueType="num">
-                                      <p:cBhvr additive="base">
-                                        <p:cTn id="19" dur="500" fill="hold"/>
-                                        <p:tgtEl>
-                                          <p:spTgt spid="3">
-                                            <p:txEl>
-                                              <p:pRg st="2" end="2"/>
-                                            </p:txEl>
-                                          </p:spTgt>
-                                        </p:tgtEl>
-                                        <p:attrNameLst>
-                                          <p:attrName>ppt_x</p:attrName>
-                                        </p:attrNameLst>
-                                      </p:cBhvr>
-                                      <p:tavLst>
-                                        <p:tav tm="0">
-                                          <p:val>
-                                            <p:strVal val="#ppt_x"/>
-                                          </p:val>
-                                        </p:tav>
-                                        <p:tav tm="100000">
-                                          <p:val>
-                                            <p:strVal val="#ppt_x"/>
-                                          </p:val>
-                                        </p:tav>
-                                      </p:tavLst>
-                                    </p:anim>
-                                    <p:anim calcmode="lin" valueType="num">
-                                      <p:cBhvr additive="base">
-                                        <p:cTn id="20" dur="500" fill="hold"/>
-                                        <p:tgtEl>
-                                          <p:spTgt spid="3">
-                                            <p:txEl>
-                                              <p:pRg st="2" end="2"/>
-                                            </p:txEl>
-                                          </p:spTgt>
-                                        </p:tgtEl>
-                                        <p:attrNameLst>
-                                          <p:attrName>ppt_y</p:attrName>
-                                        </p:attrNameLst>
-                                      </p:cBhvr>
-                                      <p:tavLst>
-                                        <p:tav tm="0">
-                                          <p:val>
-                                            <p:strVal val="1+#ppt_h/2"/>
-                                          </p:val>
-                                        </p:tav>
-                                        <p:tav tm="100000">
-                                          <p:val>
-                                            <p:strVal val="#ppt_y"/>
-                                          </p:val>
-                                        </p:tav>
-                                      </p:tavLst>
-                                    </p:anim>
-                                  </p:childTnLst>
-                                </p:cTn>
-                              </p:par>
-                            </p:childTnLst>
-                          </p:cTn>
-                        </p:par>
-                      </p:childTnLst>
-                    </p:cTn>
-                  </p:par>
-                  <p:par>
-                    <p:cTn id="21" fill="hold">
-                      <p:stCondLst>
-                        <p:cond delay="indefinite"/>
-                      </p:stCondLst>
-                      <p:childTnLst>
-                        <p:par>
-                          <p:cTn id="22" fill="hold">
-                            <p:stCondLst>
-                              <p:cond delay="0"/>
-                            </p:stCondLst>
-                            <p:childTnLst>
-                              <p:par>
-                                <p:cTn id="23" presetID="2" presetClass="entr" presetSubtype="4" fill="hold" nodeType="clickEffect">
-                                  <p:stCondLst>
-                                    <p:cond delay="0"/>
-                                  </p:stCondLst>
-                                  <p:childTnLst>
-                                    <p:set>
-                                      <p:cBhvr>
-                                        <p:cTn id="24" dur="1" fill="hold">
-                                          <p:stCondLst>
-                                            <p:cond delay="0"/>
-                                          </p:stCondLst>
-                                        </p:cTn>
-                                        <p:tgtEl>
-                                          <p:spTgt spid="3">
-                                            <p:txEl>
-                                              <p:pRg st="3" end="3"/>
-                                            </p:txEl>
-                                          </p:spTgt>
-                                        </p:tgtEl>
-                                        <p:attrNameLst>
-                                          <p:attrName>style.visibility</p:attrName>
-                                        </p:attrNameLst>
-                                      </p:cBhvr>
-                                      <p:to>
-                                        <p:strVal val="visible"/>
-                                      </p:to>
-                                    </p:set>
-                                    <p:anim calcmode="lin" valueType="num">
-                                      <p:cBhvr additive="base">
-                                        <p:cTn id="25" dur="500" fill="hold"/>
-                                        <p:tgtEl>
-                                          <p:spTgt spid="3">
-                                            <p:txEl>
-                                              <p:pRg st="3" end="3"/>
-                                            </p:txEl>
-                                          </p:spTgt>
-                                        </p:tgtEl>
-                                        <p:attrNameLst>
-                                          <p:attrName>ppt_x</p:attrName>
-                                        </p:attrNameLst>
-                                      </p:cBhvr>
-                                      <p:tavLst>
-                                        <p:tav tm="0">
-                                          <p:val>
-                                            <p:strVal val="#ppt_x"/>
-                                          </p:val>
-                                        </p:tav>
-                                        <p:tav tm="100000">
-                                          <p:val>
-                                            <p:strVal val="#ppt_x"/>
-                                          </p:val>
-                                        </p:tav>
-                                      </p:tavLst>
-                                    </p:anim>
-                                    <p:anim calcmode="lin" valueType="num">
-                                      <p:cBhvr additive="base">
-                                        <p:cTn id="26" dur="500" fill="hold"/>
-                                        <p:tgtEl>
-                                          <p:spTgt spid="3">
-                                            <p:txEl>
-                                              <p:pRg st="3" end="3"/>
-                                            </p:txEl>
-                                          </p:spTgt>
-                                        </p:tgtEl>
-                                        <p:attrNameLst>
-                                          <p:attrName>ppt_y</p:attrName>
-                                        </p:attrNameLst>
-                                      </p:cBhvr>
-                                      <p:tavLst>
-                                        <p:tav tm="0">
-                                          <p:val>
-                                            <p:strVal val="1+#ppt_h/2"/>
-                                          </p:val>
-                                        </p:tav>
-                                        <p:tav tm="100000">
-                                          <p:val>
-                                            <p:strVal val="#ppt_y"/>
-                                          </p:val>
-                                        </p:tav>
-                                      </p:tavLst>
-                                    </p:anim>
-                                  </p:childTnLst>
-                                </p:cTn>
-                              </p:par>
-                            </p:childTnLst>
-                          </p:cTn>
-                        </p:par>
-                      </p:childTnLst>
-                    </p:cTn>
-                  </p:par>
-                </p:childTnLst>
-              </p:cTn>
-              <p:prevCondLst>
-                <p:cond evt="onPrev" delay="0">
-                  <p:tgtEl>
-                    <p:sldTgt/>
-                  </p:tgtEl>
-                </p:cond>
-              </p:prevCondLst>
-              <p:nextCondLst>
-                <p:cond evt="onNext" delay="0">
-                  <p:tgtEl>
-                    <p:sldTgt/>
-                  </p:tgtEl>
-                </p:cond>
-              </p:nextCondLst>
-            </p:seq>
-          </p:childTnLst>
-        </p:cTn>
-      </p:par>
-    </p:tnLst>
-  </p:timing>
-</p:sld>
-</file>
-
-<file path=ppt/slides/slide15.xml><?xml version="1.0" encoding="utf-8"?>
-<p:sld xmlns:a="http://schemas.openxmlformats.org/drawingml/2006/main" xmlns:r="http://schemas.openxmlformats.org/officeDocument/2006/relationships" xmlns:p="http://schemas.openxmlformats.org/presentationml/2006/main">
-  <p:cSld>
-    <p:spTree>
-      <p:nvGrpSpPr>
-        <p:cNvPr id="1" name=""/>
-        <p:cNvGrpSpPr/>
-        <p:nvPr/>
-      </p:nvGrpSpPr>
-      <p:grpSpPr>
-        <a:xfrm>
-          <a:off x="0" y="0"/>
-          <a:ext cx="0" cy="0"/>
-          <a:chOff x="0" y="0"/>
-          <a:chExt cx="0" cy="0"/>
-        </a:xfrm>
-      </p:grpSpPr>
-      <p:sp>
-        <p:nvSpPr>
-          <p:cNvPr id="2" name="Title 1"/>
-          <p:cNvSpPr>
-            <a:spLocks noGrp="1"/>
-          </p:cNvSpPr>
-          <p:nvPr>
-            <p:ph type="title"/>
-          </p:nvPr>
-        </p:nvSpPr>
-        <p:spPr/>
-        <p:txBody>
-          <a:bodyPr/>
-          <a:lstStyle/>
-          <a:p>
-            <a:pPr lvl="0"/>
-            <a:r>
-              <a:rPr lang="en-US" b="1" dirty="0"/>
               <a:t>Suggested Authentication Mechanism</a:t>
             </a:r>
             <a:r>
@@ -6385,7 +5945,7 @@
 </p:sld>
 </file>
 
-<file path=ppt/slides/slide16.xml><?xml version="1.0" encoding="utf-8"?>
+<file path=ppt/slides/slide15.xml><?xml version="1.0" encoding="utf-8"?>
 <p:sld xmlns:a="http://schemas.openxmlformats.org/drawingml/2006/main" xmlns:r="http://schemas.openxmlformats.org/officeDocument/2006/relationships" xmlns:p="http://schemas.openxmlformats.org/presentationml/2006/main">
   <p:cSld>
     <p:spTree>
@@ -6644,133 +6204,6 @@
           <a:p>
             <a:r>
               <a:rPr lang="en-US" dirty="0" smtClean="0"/>
-              <a:t>Talking Points</a:t>
-            </a:r>
-            <a:endParaRPr lang="en-US" dirty="0"/>
-          </a:p>
-        </p:txBody>
-      </p:sp>
-      <p:sp>
-        <p:nvSpPr>
-          <p:cNvPr id="3" name="Content Placeholder 2"/>
-          <p:cNvSpPr>
-            <a:spLocks noGrp="1"/>
-          </p:cNvSpPr>
-          <p:nvPr>
-            <p:ph idx="1"/>
-          </p:nvPr>
-        </p:nvSpPr>
-        <p:spPr/>
-        <p:txBody>
-          <a:bodyPr/>
-          <a:lstStyle/>
-          <a:p>
-            <a:r>
-              <a:rPr lang="en-US" dirty="0" smtClean="0"/>
-              <a:t>Introduction</a:t>
-            </a:r>
-          </a:p>
-          <a:p>
-            <a:r>
-              <a:rPr lang="en-US" dirty="0" smtClean="0"/>
-              <a:t>Fun Fact</a:t>
-            </a:r>
-          </a:p>
-          <a:p>
-            <a:r>
-              <a:rPr lang="en-US" dirty="0" smtClean="0"/>
-              <a:t>Coming back to point</a:t>
-            </a:r>
-          </a:p>
-          <a:p>
-            <a:r>
-              <a:rPr lang="en-US" dirty="0" smtClean="0"/>
-              <a:t>Changes made</a:t>
-            </a:r>
-          </a:p>
-          <a:p>
-            <a:r>
-              <a:rPr lang="en-US" dirty="0" smtClean="0"/>
-              <a:t>Approaching Decryption</a:t>
-            </a:r>
-          </a:p>
-          <a:p>
-            <a:r>
-              <a:rPr lang="en-US" dirty="0" smtClean="0"/>
-              <a:t>Working of Driver</a:t>
-            </a:r>
-          </a:p>
-          <a:p>
-            <a:r>
-              <a:rPr lang="en-US" dirty="0" smtClean="0"/>
-              <a:t>Padding</a:t>
-            </a:r>
-          </a:p>
-          <a:p>
-            <a:r>
-              <a:rPr lang="en-US" smtClean="0"/>
-              <a:t>Authentication</a:t>
-            </a:r>
-            <a:endParaRPr lang="en-US" dirty="0" smtClean="0"/>
-          </a:p>
-          <a:p>
-            <a:endParaRPr lang="en-US" dirty="0" smtClean="0"/>
-          </a:p>
-          <a:p>
-            <a:endParaRPr lang="en-US" dirty="0" smtClean="0"/>
-          </a:p>
-          <a:p>
-            <a:endParaRPr lang="en-US" dirty="0"/>
-          </a:p>
-        </p:txBody>
-      </p:sp>
-    </p:spTree>
-    <p:extLst>
-      <p:ext uri="{BB962C8B-B14F-4D97-AF65-F5344CB8AC3E}">
-        <p14:creationId xmlns:p14="http://schemas.microsoft.com/office/powerpoint/2010/main" val="675969390"/>
-      </p:ext>
-    </p:extLst>
-  </p:cSld>
-  <p:clrMapOvr>
-    <a:masterClrMapping/>
-  </p:clrMapOvr>
-</p:sld>
-</file>
-
-<file path=ppt/slides/slide3.xml><?xml version="1.0" encoding="utf-8"?>
-<p:sld xmlns:a="http://schemas.openxmlformats.org/drawingml/2006/main" xmlns:r="http://schemas.openxmlformats.org/officeDocument/2006/relationships" xmlns:p="http://schemas.openxmlformats.org/presentationml/2006/main">
-  <p:cSld>
-    <p:spTree>
-      <p:nvGrpSpPr>
-        <p:cNvPr id="1" name=""/>
-        <p:cNvGrpSpPr/>
-        <p:nvPr/>
-      </p:nvGrpSpPr>
-      <p:grpSpPr>
-        <a:xfrm>
-          <a:off x="0" y="0"/>
-          <a:ext cx="0" cy="0"/>
-          <a:chOff x="0" y="0"/>
-          <a:chExt cx="0" cy="0"/>
-        </a:xfrm>
-      </p:grpSpPr>
-      <p:sp>
-        <p:nvSpPr>
-          <p:cNvPr id="2" name="Title 1"/>
-          <p:cNvSpPr>
-            <a:spLocks noGrp="1"/>
-          </p:cNvSpPr>
-          <p:nvPr>
-            <p:ph type="title"/>
-          </p:nvPr>
-        </p:nvSpPr>
-        <p:spPr/>
-        <p:txBody>
-          <a:bodyPr/>
-          <a:lstStyle/>
-          <a:p>
-            <a:r>
-              <a:rPr lang="en-US" dirty="0" smtClean="0"/>
               <a:t>INTRODUCTION</a:t>
             </a:r>
             <a:endParaRPr lang="en-US" dirty="0"/>
@@ -7612,7 +7045,7 @@
 </p:sld>
 </file>
 
-<file path=ppt/slides/slide4.xml><?xml version="1.0" encoding="utf-8"?>
+<file path=ppt/slides/slide3.xml><?xml version="1.0" encoding="utf-8"?>
 <p:sld xmlns:a="http://schemas.openxmlformats.org/drawingml/2006/main" xmlns:r="http://schemas.openxmlformats.org/officeDocument/2006/relationships" xmlns:p="http://schemas.openxmlformats.org/presentationml/2006/main">
   <p:cSld>
     <p:spTree>
@@ -7933,7 +7366,7 @@
 </p:sld>
 </file>
 
-<file path=ppt/slides/slide5.xml><?xml version="1.0" encoding="utf-8"?>
+<file path=ppt/slides/slide4.xml><?xml version="1.0" encoding="utf-8"?>
 <p:sld xmlns:a="http://schemas.openxmlformats.org/drawingml/2006/main" xmlns:r="http://schemas.openxmlformats.org/officeDocument/2006/relationships" xmlns:p="http://schemas.openxmlformats.org/presentationml/2006/main">
   <p:cSld>
     <p:spTree>
@@ -8108,7 +7541,7 @@
 </p:sld>
 </file>
 
-<file path=ppt/slides/slide6.xml><?xml version="1.0" encoding="utf-8"?>
+<file path=ppt/slides/slide5.xml><?xml version="1.0" encoding="utf-8"?>
 <p:sld xmlns:a="http://schemas.openxmlformats.org/drawingml/2006/main" xmlns:r="http://schemas.openxmlformats.org/officeDocument/2006/relationships" xmlns:p="http://schemas.openxmlformats.org/presentationml/2006/main">
   <p:cSld>
     <p:spTree>
@@ -8140,10 +7573,6 @@
           <a:bodyPr/>
           <a:lstStyle/>
           <a:p>
-            <a:r>
-              <a:rPr lang="en-US" dirty="0" smtClean="0"/>
-              <a:t>Coming back to the point</a:t>
-            </a:r>
             <a:endParaRPr lang="en-US" dirty="0"/>
           </a:p>
         </p:txBody>
@@ -8889,7 +8318,7 @@
 </p:sld>
 </file>
 
-<file path=ppt/slides/slide7.xml><?xml version="1.0" encoding="utf-8"?>
+<file path=ppt/slides/slide6.xml><?xml version="1.0" encoding="utf-8"?>
 <p:sld xmlns:a="http://schemas.openxmlformats.org/drawingml/2006/main" xmlns:r="http://schemas.openxmlformats.org/officeDocument/2006/relationships" xmlns:p="http://schemas.openxmlformats.org/presentationml/2006/main">
   <p:cSld>
     <p:spTree>
@@ -9493,7 +8922,13 @@
                         <a:rPr lang="en-US" sz="1200" kern="150" baseline="0" smtClean="0">
                           <a:effectLst/>
                         </a:rPr>
-                        <a:t>extra AES</a:t>
+                        <a:t>extra </a:t>
+                      </a:r>
+                      <a:r>
+                        <a:rPr lang="en-US" sz="1200" kern="150" baseline="0" smtClean="0">
+                          <a:effectLst/>
+                        </a:rPr>
+                        <a:t>AES</a:t>
                       </a:r>
                     </a:p>
                     <a:p>
@@ -9634,7 +9069,7 @@
 </p:sld>
 </file>
 
-<file path=ppt/slides/slide8.xml><?xml version="1.0" encoding="utf-8"?>
+<file path=ppt/slides/slide7.xml><?xml version="1.0" encoding="utf-8"?>
 <p:sld xmlns:a="http://schemas.openxmlformats.org/drawingml/2006/main" xmlns:r="http://schemas.openxmlformats.org/officeDocument/2006/relationships" xmlns:p="http://schemas.openxmlformats.org/presentationml/2006/main">
   <p:cSld>
     <p:spTree>
@@ -10547,6 +9982,1111 @@
                                           <p:spTgt spid="3">
                                             <p:txEl>
                                               <p:pRg st="7" end="7"/>
+                                            </p:txEl>
+                                          </p:spTgt>
+                                        </p:tgtEl>
+                                        <p:attrNameLst>
+                                          <p:attrName>ppt_y</p:attrName>
+                                        </p:attrNameLst>
+                                      </p:cBhvr>
+                                      <p:tavLst>
+                                        <p:tav tm="0">
+                                          <p:val>
+                                            <p:strVal val="1+#ppt_h/2"/>
+                                          </p:val>
+                                        </p:tav>
+                                        <p:tav tm="100000">
+                                          <p:val>
+                                            <p:strVal val="#ppt_y"/>
+                                          </p:val>
+                                        </p:tav>
+                                      </p:tavLst>
+                                    </p:anim>
+                                  </p:childTnLst>
+                                </p:cTn>
+                              </p:par>
+                            </p:childTnLst>
+                          </p:cTn>
+                        </p:par>
+                      </p:childTnLst>
+                    </p:cTn>
+                  </p:par>
+                </p:childTnLst>
+              </p:cTn>
+              <p:prevCondLst>
+                <p:cond evt="onPrev" delay="0">
+                  <p:tgtEl>
+                    <p:sldTgt/>
+                  </p:tgtEl>
+                </p:cond>
+              </p:prevCondLst>
+              <p:nextCondLst>
+                <p:cond evt="onNext" delay="0">
+                  <p:tgtEl>
+                    <p:sldTgt/>
+                  </p:tgtEl>
+                </p:cond>
+              </p:nextCondLst>
+            </p:seq>
+          </p:childTnLst>
+        </p:cTn>
+      </p:par>
+    </p:tnLst>
+  </p:timing>
+</p:sld>
+</file>
+
+<file path=ppt/slides/slide8.xml><?xml version="1.0" encoding="utf-8"?>
+<p:sld xmlns:a="http://schemas.openxmlformats.org/drawingml/2006/main" xmlns:r="http://schemas.openxmlformats.org/officeDocument/2006/relationships" xmlns:p="http://schemas.openxmlformats.org/presentationml/2006/main">
+  <p:cSld>
+    <p:spTree>
+      <p:nvGrpSpPr>
+        <p:cNvPr id="1" name=""/>
+        <p:cNvGrpSpPr/>
+        <p:nvPr/>
+      </p:nvGrpSpPr>
+      <p:grpSpPr>
+        <a:xfrm>
+          <a:off x="0" y="0"/>
+          <a:ext cx="0" cy="0"/>
+          <a:chOff x="0" y="0"/>
+          <a:chExt cx="0" cy="0"/>
+        </a:xfrm>
+      </p:grpSpPr>
+      <p:sp>
+        <p:nvSpPr>
+          <p:cNvPr id="2" name="Title 1"/>
+          <p:cNvSpPr>
+            <a:spLocks noGrp="1"/>
+          </p:cNvSpPr>
+          <p:nvPr>
+            <p:ph type="title"/>
+          </p:nvPr>
+        </p:nvSpPr>
+        <p:spPr/>
+        <p:txBody>
+          <a:bodyPr/>
+          <a:lstStyle/>
+          <a:p>
+            <a:r>
+              <a:rPr lang="en-US" dirty="0" smtClean="0"/>
+              <a:t>Continued….</a:t>
+            </a:r>
+            <a:endParaRPr lang="en-US" dirty="0"/>
+          </a:p>
+        </p:txBody>
+      </p:sp>
+      <p:sp>
+        <p:nvSpPr>
+          <p:cNvPr id="3" name="Content Placeholder 2"/>
+          <p:cNvSpPr>
+            <a:spLocks noGrp="1"/>
+          </p:cNvSpPr>
+          <p:nvPr>
+            <p:ph idx="1"/>
+          </p:nvPr>
+        </p:nvSpPr>
+        <p:spPr/>
+        <p:txBody>
+          <a:bodyPr>
+            <a:normAutofit fontScale="92500" lnSpcReduction="20000"/>
+          </a:bodyPr>
+          <a:lstStyle/>
+          <a:p>
+            <a:pPr marL="0" indent="0">
+              <a:buNone/>
+            </a:pPr>
+            <a:r>
+              <a:rPr lang="en-US" dirty="0" err="1"/>
+              <a:t>InverseGaloisMatrix</a:t>
+            </a:r>
+            <a:r>
+              <a:rPr lang="en-US" dirty="0"/>
+              <a:t>=</a:t>
+            </a:r>
+          </a:p>
+          <a:p>
+            <a:pPr marL="0" indent="0">
+              <a:buNone/>
+            </a:pPr>
+            <a:r>
+              <a:rPr lang="en-US" dirty="0"/>
+              <a:t>        0E 0B 0D 09</a:t>
+            </a:r>
+          </a:p>
+          <a:p>
+            <a:pPr marL="0" indent="0">
+              <a:buNone/>
+            </a:pPr>
+            <a:r>
+              <a:rPr lang="en-US" dirty="0"/>
+              <a:t>        09 0E 0B 0D</a:t>
+            </a:r>
+          </a:p>
+          <a:p>
+            <a:pPr marL="0" indent="0">
+              <a:buNone/>
+            </a:pPr>
+            <a:r>
+              <a:rPr lang="en-US" dirty="0"/>
+              <a:t>        0D 09 0E 0B</a:t>
+            </a:r>
+          </a:p>
+          <a:p>
+            <a:pPr marL="0" indent="0">
+              <a:buNone/>
+            </a:pPr>
+            <a:r>
+              <a:rPr lang="en-US" dirty="0"/>
+              <a:t>        0B 0D 09 0E</a:t>
+            </a:r>
+          </a:p>
+          <a:p>
+            <a:pPr marL="0" indent="0">
+              <a:buNone/>
+            </a:pPr>
+            <a:r>
+              <a:rPr lang="en-US" dirty="0"/>
+              <a:t>where:</a:t>
+            </a:r>
+          </a:p>
+          <a:p>
+            <a:pPr marL="0" indent="0">
+              <a:buNone/>
+            </a:pPr>
+            <a:r>
+              <a:rPr lang="en-US" dirty="0"/>
+              <a:t>	x*9=(((x*2)*2)*2)^x</a:t>
+            </a:r>
+          </a:p>
+          <a:p>
+            <a:pPr marL="0" indent="0">
+              <a:buNone/>
+            </a:pPr>
+            <a:r>
+              <a:rPr lang="en-US" dirty="0"/>
+              <a:t>	x*11=	((((x*2)*2)^x)*2)^x</a:t>
+            </a:r>
+          </a:p>
+          <a:p>
+            <a:pPr marL="0" indent="0">
+              <a:buNone/>
+            </a:pPr>
+            <a:r>
+              <a:rPr lang="en-US" dirty="0"/>
+              <a:t>	x*13=((((x*2)^x)*2)*2)^x</a:t>
+            </a:r>
+          </a:p>
+          <a:p>
+            <a:pPr marL="0" indent="0">
+              <a:buNone/>
+            </a:pPr>
+            <a:r>
+              <a:rPr lang="en-US" dirty="0"/>
+              <a:t>	x*14=((((x*2)^x)*2)^x)*2</a:t>
+            </a:r>
+          </a:p>
+          <a:p>
+            <a:pPr marL="0" indent="0">
+              <a:buNone/>
+            </a:pPr>
+            <a:endParaRPr lang="en-US" dirty="0"/>
+          </a:p>
+        </p:txBody>
+      </p:sp>
+    </p:spTree>
+    <p:extLst>
+      <p:ext uri="{BB962C8B-B14F-4D97-AF65-F5344CB8AC3E}">
+        <p14:creationId xmlns:p14="http://schemas.microsoft.com/office/powerpoint/2010/main" val="3972675479"/>
+      </p:ext>
+    </p:extLst>
+  </p:cSld>
+  <p:clrMapOvr>
+    <a:masterClrMapping/>
+  </p:clrMapOvr>
+  <p:timing>
+    <p:tnLst>
+      <p:par>
+        <p:cTn id="1" dur="indefinite" restart="never" nodeType="tmRoot">
+          <p:childTnLst>
+            <p:seq concurrent="1" nextAc="seek">
+              <p:cTn id="2" dur="indefinite" nodeType="mainSeq">
+                <p:childTnLst>
+                  <p:par>
+                    <p:cTn id="3" fill="hold">
+                      <p:stCondLst>
+                        <p:cond delay="indefinite"/>
+                      </p:stCondLst>
+                      <p:childTnLst>
+                        <p:par>
+                          <p:cTn id="4" fill="hold">
+                            <p:stCondLst>
+                              <p:cond delay="0"/>
+                            </p:stCondLst>
+                            <p:childTnLst>
+                              <p:par>
+                                <p:cTn id="5" presetID="2" presetClass="entr" presetSubtype="4" fill="hold" nodeType="clickEffect">
+                                  <p:stCondLst>
+                                    <p:cond delay="0"/>
+                                  </p:stCondLst>
+                                  <p:childTnLst>
+                                    <p:set>
+                                      <p:cBhvr>
+                                        <p:cTn id="6" dur="1" fill="hold">
+                                          <p:stCondLst>
+                                            <p:cond delay="0"/>
+                                          </p:stCondLst>
+                                        </p:cTn>
+                                        <p:tgtEl>
+                                          <p:spTgt spid="3">
+                                            <p:txEl>
+                                              <p:pRg st="0" end="0"/>
+                                            </p:txEl>
+                                          </p:spTgt>
+                                        </p:tgtEl>
+                                        <p:attrNameLst>
+                                          <p:attrName>style.visibility</p:attrName>
+                                        </p:attrNameLst>
+                                      </p:cBhvr>
+                                      <p:to>
+                                        <p:strVal val="visible"/>
+                                      </p:to>
+                                    </p:set>
+                                    <p:anim calcmode="lin" valueType="num">
+                                      <p:cBhvr additive="base">
+                                        <p:cTn id="7" dur="500" fill="hold"/>
+                                        <p:tgtEl>
+                                          <p:spTgt spid="3">
+                                            <p:txEl>
+                                              <p:pRg st="0" end="0"/>
+                                            </p:txEl>
+                                          </p:spTgt>
+                                        </p:tgtEl>
+                                        <p:attrNameLst>
+                                          <p:attrName>ppt_x</p:attrName>
+                                        </p:attrNameLst>
+                                      </p:cBhvr>
+                                      <p:tavLst>
+                                        <p:tav tm="0">
+                                          <p:val>
+                                            <p:strVal val="#ppt_x"/>
+                                          </p:val>
+                                        </p:tav>
+                                        <p:tav tm="100000">
+                                          <p:val>
+                                            <p:strVal val="#ppt_x"/>
+                                          </p:val>
+                                        </p:tav>
+                                      </p:tavLst>
+                                    </p:anim>
+                                    <p:anim calcmode="lin" valueType="num">
+                                      <p:cBhvr additive="base">
+                                        <p:cTn id="8" dur="500" fill="hold"/>
+                                        <p:tgtEl>
+                                          <p:spTgt spid="3">
+                                            <p:txEl>
+                                              <p:pRg st="0" end="0"/>
+                                            </p:txEl>
+                                          </p:spTgt>
+                                        </p:tgtEl>
+                                        <p:attrNameLst>
+                                          <p:attrName>ppt_y</p:attrName>
+                                        </p:attrNameLst>
+                                      </p:cBhvr>
+                                      <p:tavLst>
+                                        <p:tav tm="0">
+                                          <p:val>
+                                            <p:strVal val="1+#ppt_h/2"/>
+                                          </p:val>
+                                        </p:tav>
+                                        <p:tav tm="100000">
+                                          <p:val>
+                                            <p:strVal val="#ppt_y"/>
+                                          </p:val>
+                                        </p:tav>
+                                      </p:tavLst>
+                                    </p:anim>
+                                  </p:childTnLst>
+                                </p:cTn>
+                              </p:par>
+                            </p:childTnLst>
+                          </p:cTn>
+                        </p:par>
+                      </p:childTnLst>
+                    </p:cTn>
+                  </p:par>
+                  <p:par>
+                    <p:cTn id="9" fill="hold">
+                      <p:stCondLst>
+                        <p:cond delay="indefinite"/>
+                      </p:stCondLst>
+                      <p:childTnLst>
+                        <p:par>
+                          <p:cTn id="10" fill="hold">
+                            <p:stCondLst>
+                              <p:cond delay="0"/>
+                            </p:stCondLst>
+                            <p:childTnLst>
+                              <p:par>
+                                <p:cTn id="11" presetID="2" presetClass="entr" presetSubtype="4" fill="hold" nodeType="clickEffect">
+                                  <p:stCondLst>
+                                    <p:cond delay="0"/>
+                                  </p:stCondLst>
+                                  <p:childTnLst>
+                                    <p:set>
+                                      <p:cBhvr>
+                                        <p:cTn id="12" dur="1" fill="hold">
+                                          <p:stCondLst>
+                                            <p:cond delay="0"/>
+                                          </p:stCondLst>
+                                        </p:cTn>
+                                        <p:tgtEl>
+                                          <p:spTgt spid="3">
+                                            <p:txEl>
+                                              <p:pRg st="1" end="1"/>
+                                            </p:txEl>
+                                          </p:spTgt>
+                                        </p:tgtEl>
+                                        <p:attrNameLst>
+                                          <p:attrName>style.visibility</p:attrName>
+                                        </p:attrNameLst>
+                                      </p:cBhvr>
+                                      <p:to>
+                                        <p:strVal val="visible"/>
+                                      </p:to>
+                                    </p:set>
+                                    <p:anim calcmode="lin" valueType="num">
+                                      <p:cBhvr additive="base">
+                                        <p:cTn id="13" dur="500" fill="hold"/>
+                                        <p:tgtEl>
+                                          <p:spTgt spid="3">
+                                            <p:txEl>
+                                              <p:pRg st="1" end="1"/>
+                                            </p:txEl>
+                                          </p:spTgt>
+                                        </p:tgtEl>
+                                        <p:attrNameLst>
+                                          <p:attrName>ppt_x</p:attrName>
+                                        </p:attrNameLst>
+                                      </p:cBhvr>
+                                      <p:tavLst>
+                                        <p:tav tm="0">
+                                          <p:val>
+                                            <p:strVal val="#ppt_x"/>
+                                          </p:val>
+                                        </p:tav>
+                                        <p:tav tm="100000">
+                                          <p:val>
+                                            <p:strVal val="#ppt_x"/>
+                                          </p:val>
+                                        </p:tav>
+                                      </p:tavLst>
+                                    </p:anim>
+                                    <p:anim calcmode="lin" valueType="num">
+                                      <p:cBhvr additive="base">
+                                        <p:cTn id="14" dur="500" fill="hold"/>
+                                        <p:tgtEl>
+                                          <p:spTgt spid="3">
+                                            <p:txEl>
+                                              <p:pRg st="1" end="1"/>
+                                            </p:txEl>
+                                          </p:spTgt>
+                                        </p:tgtEl>
+                                        <p:attrNameLst>
+                                          <p:attrName>ppt_y</p:attrName>
+                                        </p:attrNameLst>
+                                      </p:cBhvr>
+                                      <p:tavLst>
+                                        <p:tav tm="0">
+                                          <p:val>
+                                            <p:strVal val="1+#ppt_h/2"/>
+                                          </p:val>
+                                        </p:tav>
+                                        <p:tav tm="100000">
+                                          <p:val>
+                                            <p:strVal val="#ppt_y"/>
+                                          </p:val>
+                                        </p:tav>
+                                      </p:tavLst>
+                                    </p:anim>
+                                  </p:childTnLst>
+                                </p:cTn>
+                              </p:par>
+                              <p:par>
+                                <p:cTn id="15" presetID="2" presetClass="entr" presetSubtype="4" fill="hold" nodeType="withEffect">
+                                  <p:stCondLst>
+                                    <p:cond delay="0"/>
+                                  </p:stCondLst>
+                                  <p:childTnLst>
+                                    <p:set>
+                                      <p:cBhvr>
+                                        <p:cTn id="16" dur="1" fill="hold">
+                                          <p:stCondLst>
+                                            <p:cond delay="0"/>
+                                          </p:stCondLst>
+                                        </p:cTn>
+                                        <p:tgtEl>
+                                          <p:spTgt spid="3">
+                                            <p:txEl>
+                                              <p:pRg st="2" end="2"/>
+                                            </p:txEl>
+                                          </p:spTgt>
+                                        </p:tgtEl>
+                                        <p:attrNameLst>
+                                          <p:attrName>style.visibility</p:attrName>
+                                        </p:attrNameLst>
+                                      </p:cBhvr>
+                                      <p:to>
+                                        <p:strVal val="visible"/>
+                                      </p:to>
+                                    </p:set>
+                                    <p:anim calcmode="lin" valueType="num">
+                                      <p:cBhvr additive="base">
+                                        <p:cTn id="17" dur="500" fill="hold"/>
+                                        <p:tgtEl>
+                                          <p:spTgt spid="3">
+                                            <p:txEl>
+                                              <p:pRg st="2" end="2"/>
+                                            </p:txEl>
+                                          </p:spTgt>
+                                        </p:tgtEl>
+                                        <p:attrNameLst>
+                                          <p:attrName>ppt_x</p:attrName>
+                                        </p:attrNameLst>
+                                      </p:cBhvr>
+                                      <p:tavLst>
+                                        <p:tav tm="0">
+                                          <p:val>
+                                            <p:strVal val="#ppt_x"/>
+                                          </p:val>
+                                        </p:tav>
+                                        <p:tav tm="100000">
+                                          <p:val>
+                                            <p:strVal val="#ppt_x"/>
+                                          </p:val>
+                                        </p:tav>
+                                      </p:tavLst>
+                                    </p:anim>
+                                    <p:anim calcmode="lin" valueType="num">
+                                      <p:cBhvr additive="base">
+                                        <p:cTn id="18" dur="500" fill="hold"/>
+                                        <p:tgtEl>
+                                          <p:spTgt spid="3">
+                                            <p:txEl>
+                                              <p:pRg st="2" end="2"/>
+                                            </p:txEl>
+                                          </p:spTgt>
+                                        </p:tgtEl>
+                                        <p:attrNameLst>
+                                          <p:attrName>ppt_y</p:attrName>
+                                        </p:attrNameLst>
+                                      </p:cBhvr>
+                                      <p:tavLst>
+                                        <p:tav tm="0">
+                                          <p:val>
+                                            <p:strVal val="1+#ppt_h/2"/>
+                                          </p:val>
+                                        </p:tav>
+                                        <p:tav tm="100000">
+                                          <p:val>
+                                            <p:strVal val="#ppt_y"/>
+                                          </p:val>
+                                        </p:tav>
+                                      </p:tavLst>
+                                    </p:anim>
+                                  </p:childTnLst>
+                                </p:cTn>
+                              </p:par>
+                              <p:par>
+                                <p:cTn id="19" presetID="2" presetClass="entr" presetSubtype="4" fill="hold" nodeType="withEffect">
+                                  <p:stCondLst>
+                                    <p:cond delay="0"/>
+                                  </p:stCondLst>
+                                  <p:childTnLst>
+                                    <p:set>
+                                      <p:cBhvr>
+                                        <p:cTn id="20" dur="1" fill="hold">
+                                          <p:stCondLst>
+                                            <p:cond delay="0"/>
+                                          </p:stCondLst>
+                                        </p:cTn>
+                                        <p:tgtEl>
+                                          <p:spTgt spid="3">
+                                            <p:txEl>
+                                              <p:pRg st="3" end="3"/>
+                                            </p:txEl>
+                                          </p:spTgt>
+                                        </p:tgtEl>
+                                        <p:attrNameLst>
+                                          <p:attrName>style.visibility</p:attrName>
+                                        </p:attrNameLst>
+                                      </p:cBhvr>
+                                      <p:to>
+                                        <p:strVal val="visible"/>
+                                      </p:to>
+                                    </p:set>
+                                    <p:anim calcmode="lin" valueType="num">
+                                      <p:cBhvr additive="base">
+                                        <p:cTn id="21" dur="500" fill="hold"/>
+                                        <p:tgtEl>
+                                          <p:spTgt spid="3">
+                                            <p:txEl>
+                                              <p:pRg st="3" end="3"/>
+                                            </p:txEl>
+                                          </p:spTgt>
+                                        </p:tgtEl>
+                                        <p:attrNameLst>
+                                          <p:attrName>ppt_x</p:attrName>
+                                        </p:attrNameLst>
+                                      </p:cBhvr>
+                                      <p:tavLst>
+                                        <p:tav tm="0">
+                                          <p:val>
+                                            <p:strVal val="#ppt_x"/>
+                                          </p:val>
+                                        </p:tav>
+                                        <p:tav tm="100000">
+                                          <p:val>
+                                            <p:strVal val="#ppt_x"/>
+                                          </p:val>
+                                        </p:tav>
+                                      </p:tavLst>
+                                    </p:anim>
+                                    <p:anim calcmode="lin" valueType="num">
+                                      <p:cBhvr additive="base">
+                                        <p:cTn id="22" dur="500" fill="hold"/>
+                                        <p:tgtEl>
+                                          <p:spTgt spid="3">
+                                            <p:txEl>
+                                              <p:pRg st="3" end="3"/>
+                                            </p:txEl>
+                                          </p:spTgt>
+                                        </p:tgtEl>
+                                        <p:attrNameLst>
+                                          <p:attrName>ppt_y</p:attrName>
+                                        </p:attrNameLst>
+                                      </p:cBhvr>
+                                      <p:tavLst>
+                                        <p:tav tm="0">
+                                          <p:val>
+                                            <p:strVal val="1+#ppt_h/2"/>
+                                          </p:val>
+                                        </p:tav>
+                                        <p:tav tm="100000">
+                                          <p:val>
+                                            <p:strVal val="#ppt_y"/>
+                                          </p:val>
+                                        </p:tav>
+                                      </p:tavLst>
+                                    </p:anim>
+                                  </p:childTnLst>
+                                </p:cTn>
+                              </p:par>
+                              <p:par>
+                                <p:cTn id="23" presetID="2" presetClass="entr" presetSubtype="4" fill="hold" nodeType="withEffect">
+                                  <p:stCondLst>
+                                    <p:cond delay="0"/>
+                                  </p:stCondLst>
+                                  <p:childTnLst>
+                                    <p:set>
+                                      <p:cBhvr>
+                                        <p:cTn id="24" dur="1" fill="hold">
+                                          <p:stCondLst>
+                                            <p:cond delay="0"/>
+                                          </p:stCondLst>
+                                        </p:cTn>
+                                        <p:tgtEl>
+                                          <p:spTgt spid="3">
+                                            <p:txEl>
+                                              <p:pRg st="4" end="4"/>
+                                            </p:txEl>
+                                          </p:spTgt>
+                                        </p:tgtEl>
+                                        <p:attrNameLst>
+                                          <p:attrName>style.visibility</p:attrName>
+                                        </p:attrNameLst>
+                                      </p:cBhvr>
+                                      <p:to>
+                                        <p:strVal val="visible"/>
+                                      </p:to>
+                                    </p:set>
+                                    <p:anim calcmode="lin" valueType="num">
+                                      <p:cBhvr additive="base">
+                                        <p:cTn id="25" dur="500" fill="hold"/>
+                                        <p:tgtEl>
+                                          <p:spTgt spid="3">
+                                            <p:txEl>
+                                              <p:pRg st="4" end="4"/>
+                                            </p:txEl>
+                                          </p:spTgt>
+                                        </p:tgtEl>
+                                        <p:attrNameLst>
+                                          <p:attrName>ppt_x</p:attrName>
+                                        </p:attrNameLst>
+                                      </p:cBhvr>
+                                      <p:tavLst>
+                                        <p:tav tm="0">
+                                          <p:val>
+                                            <p:strVal val="#ppt_x"/>
+                                          </p:val>
+                                        </p:tav>
+                                        <p:tav tm="100000">
+                                          <p:val>
+                                            <p:strVal val="#ppt_x"/>
+                                          </p:val>
+                                        </p:tav>
+                                      </p:tavLst>
+                                    </p:anim>
+                                    <p:anim calcmode="lin" valueType="num">
+                                      <p:cBhvr additive="base">
+                                        <p:cTn id="26" dur="500" fill="hold"/>
+                                        <p:tgtEl>
+                                          <p:spTgt spid="3">
+                                            <p:txEl>
+                                              <p:pRg st="4" end="4"/>
+                                            </p:txEl>
+                                          </p:spTgt>
+                                        </p:tgtEl>
+                                        <p:attrNameLst>
+                                          <p:attrName>ppt_y</p:attrName>
+                                        </p:attrNameLst>
+                                      </p:cBhvr>
+                                      <p:tavLst>
+                                        <p:tav tm="0">
+                                          <p:val>
+                                            <p:strVal val="1+#ppt_h/2"/>
+                                          </p:val>
+                                        </p:tav>
+                                        <p:tav tm="100000">
+                                          <p:val>
+                                            <p:strVal val="#ppt_y"/>
+                                          </p:val>
+                                        </p:tav>
+                                      </p:tavLst>
+                                    </p:anim>
+                                  </p:childTnLst>
+                                </p:cTn>
+                              </p:par>
+                            </p:childTnLst>
+                          </p:cTn>
+                        </p:par>
+                      </p:childTnLst>
+                    </p:cTn>
+                  </p:par>
+                  <p:par>
+                    <p:cTn id="27" fill="hold">
+                      <p:stCondLst>
+                        <p:cond delay="indefinite"/>
+                      </p:stCondLst>
+                      <p:childTnLst>
+                        <p:par>
+                          <p:cTn id="28" fill="hold">
+                            <p:stCondLst>
+                              <p:cond delay="0"/>
+                            </p:stCondLst>
+                            <p:childTnLst>
+                              <p:par>
+                                <p:cTn id="29" presetID="2" presetClass="entr" presetSubtype="4" fill="hold" nodeType="clickEffect">
+                                  <p:stCondLst>
+                                    <p:cond delay="0"/>
+                                  </p:stCondLst>
+                                  <p:childTnLst>
+                                    <p:set>
+                                      <p:cBhvr>
+                                        <p:cTn id="30" dur="1" fill="hold">
+                                          <p:stCondLst>
+                                            <p:cond delay="0"/>
+                                          </p:stCondLst>
+                                        </p:cTn>
+                                        <p:tgtEl>
+                                          <p:spTgt spid="3">
+                                            <p:txEl>
+                                              <p:pRg st="5" end="5"/>
+                                            </p:txEl>
+                                          </p:spTgt>
+                                        </p:tgtEl>
+                                        <p:attrNameLst>
+                                          <p:attrName>style.visibility</p:attrName>
+                                        </p:attrNameLst>
+                                      </p:cBhvr>
+                                      <p:to>
+                                        <p:strVal val="visible"/>
+                                      </p:to>
+                                    </p:set>
+                                    <p:anim calcmode="lin" valueType="num">
+                                      <p:cBhvr additive="base">
+                                        <p:cTn id="31" dur="500" fill="hold"/>
+                                        <p:tgtEl>
+                                          <p:spTgt spid="3">
+                                            <p:txEl>
+                                              <p:pRg st="5" end="5"/>
+                                            </p:txEl>
+                                          </p:spTgt>
+                                        </p:tgtEl>
+                                        <p:attrNameLst>
+                                          <p:attrName>ppt_x</p:attrName>
+                                        </p:attrNameLst>
+                                      </p:cBhvr>
+                                      <p:tavLst>
+                                        <p:tav tm="0">
+                                          <p:val>
+                                            <p:strVal val="#ppt_x"/>
+                                          </p:val>
+                                        </p:tav>
+                                        <p:tav tm="100000">
+                                          <p:val>
+                                            <p:strVal val="#ppt_x"/>
+                                          </p:val>
+                                        </p:tav>
+                                      </p:tavLst>
+                                    </p:anim>
+                                    <p:anim calcmode="lin" valueType="num">
+                                      <p:cBhvr additive="base">
+                                        <p:cTn id="32" dur="500" fill="hold"/>
+                                        <p:tgtEl>
+                                          <p:spTgt spid="3">
+                                            <p:txEl>
+                                              <p:pRg st="5" end="5"/>
+                                            </p:txEl>
+                                          </p:spTgt>
+                                        </p:tgtEl>
+                                        <p:attrNameLst>
+                                          <p:attrName>ppt_y</p:attrName>
+                                        </p:attrNameLst>
+                                      </p:cBhvr>
+                                      <p:tavLst>
+                                        <p:tav tm="0">
+                                          <p:val>
+                                            <p:strVal val="1+#ppt_h/2"/>
+                                          </p:val>
+                                        </p:tav>
+                                        <p:tav tm="100000">
+                                          <p:val>
+                                            <p:strVal val="#ppt_y"/>
+                                          </p:val>
+                                        </p:tav>
+                                      </p:tavLst>
+                                    </p:anim>
+                                  </p:childTnLst>
+                                </p:cTn>
+                              </p:par>
+                              <p:par>
+                                <p:cTn id="33" presetID="2" presetClass="entr" presetSubtype="4" fill="hold" nodeType="withEffect">
+                                  <p:stCondLst>
+                                    <p:cond delay="0"/>
+                                  </p:stCondLst>
+                                  <p:childTnLst>
+                                    <p:set>
+                                      <p:cBhvr>
+                                        <p:cTn id="34" dur="1" fill="hold">
+                                          <p:stCondLst>
+                                            <p:cond delay="0"/>
+                                          </p:stCondLst>
+                                        </p:cTn>
+                                        <p:tgtEl>
+                                          <p:spTgt spid="3">
+                                            <p:txEl>
+                                              <p:pRg st="6" end="6"/>
+                                            </p:txEl>
+                                          </p:spTgt>
+                                        </p:tgtEl>
+                                        <p:attrNameLst>
+                                          <p:attrName>style.visibility</p:attrName>
+                                        </p:attrNameLst>
+                                      </p:cBhvr>
+                                      <p:to>
+                                        <p:strVal val="visible"/>
+                                      </p:to>
+                                    </p:set>
+                                    <p:anim calcmode="lin" valueType="num">
+                                      <p:cBhvr additive="base">
+                                        <p:cTn id="35" dur="500" fill="hold"/>
+                                        <p:tgtEl>
+                                          <p:spTgt spid="3">
+                                            <p:txEl>
+                                              <p:pRg st="6" end="6"/>
+                                            </p:txEl>
+                                          </p:spTgt>
+                                        </p:tgtEl>
+                                        <p:attrNameLst>
+                                          <p:attrName>ppt_x</p:attrName>
+                                        </p:attrNameLst>
+                                      </p:cBhvr>
+                                      <p:tavLst>
+                                        <p:tav tm="0">
+                                          <p:val>
+                                            <p:strVal val="#ppt_x"/>
+                                          </p:val>
+                                        </p:tav>
+                                        <p:tav tm="100000">
+                                          <p:val>
+                                            <p:strVal val="#ppt_x"/>
+                                          </p:val>
+                                        </p:tav>
+                                      </p:tavLst>
+                                    </p:anim>
+                                    <p:anim calcmode="lin" valueType="num">
+                                      <p:cBhvr additive="base">
+                                        <p:cTn id="36" dur="500" fill="hold"/>
+                                        <p:tgtEl>
+                                          <p:spTgt spid="3">
+                                            <p:txEl>
+                                              <p:pRg st="6" end="6"/>
+                                            </p:txEl>
+                                          </p:spTgt>
+                                        </p:tgtEl>
+                                        <p:attrNameLst>
+                                          <p:attrName>ppt_y</p:attrName>
+                                        </p:attrNameLst>
+                                      </p:cBhvr>
+                                      <p:tavLst>
+                                        <p:tav tm="0">
+                                          <p:val>
+                                            <p:strVal val="1+#ppt_h/2"/>
+                                          </p:val>
+                                        </p:tav>
+                                        <p:tav tm="100000">
+                                          <p:val>
+                                            <p:strVal val="#ppt_y"/>
+                                          </p:val>
+                                        </p:tav>
+                                      </p:tavLst>
+                                    </p:anim>
+                                  </p:childTnLst>
+                                </p:cTn>
+                              </p:par>
+                              <p:par>
+                                <p:cTn id="37" presetID="2" presetClass="entr" presetSubtype="4" fill="hold" nodeType="withEffect">
+                                  <p:stCondLst>
+                                    <p:cond delay="0"/>
+                                  </p:stCondLst>
+                                  <p:childTnLst>
+                                    <p:set>
+                                      <p:cBhvr>
+                                        <p:cTn id="38" dur="1" fill="hold">
+                                          <p:stCondLst>
+                                            <p:cond delay="0"/>
+                                          </p:stCondLst>
+                                        </p:cTn>
+                                        <p:tgtEl>
+                                          <p:spTgt spid="3">
+                                            <p:txEl>
+                                              <p:pRg st="7" end="7"/>
+                                            </p:txEl>
+                                          </p:spTgt>
+                                        </p:tgtEl>
+                                        <p:attrNameLst>
+                                          <p:attrName>style.visibility</p:attrName>
+                                        </p:attrNameLst>
+                                      </p:cBhvr>
+                                      <p:to>
+                                        <p:strVal val="visible"/>
+                                      </p:to>
+                                    </p:set>
+                                    <p:anim calcmode="lin" valueType="num">
+                                      <p:cBhvr additive="base">
+                                        <p:cTn id="39" dur="500" fill="hold"/>
+                                        <p:tgtEl>
+                                          <p:spTgt spid="3">
+                                            <p:txEl>
+                                              <p:pRg st="7" end="7"/>
+                                            </p:txEl>
+                                          </p:spTgt>
+                                        </p:tgtEl>
+                                        <p:attrNameLst>
+                                          <p:attrName>ppt_x</p:attrName>
+                                        </p:attrNameLst>
+                                      </p:cBhvr>
+                                      <p:tavLst>
+                                        <p:tav tm="0">
+                                          <p:val>
+                                            <p:strVal val="#ppt_x"/>
+                                          </p:val>
+                                        </p:tav>
+                                        <p:tav tm="100000">
+                                          <p:val>
+                                            <p:strVal val="#ppt_x"/>
+                                          </p:val>
+                                        </p:tav>
+                                      </p:tavLst>
+                                    </p:anim>
+                                    <p:anim calcmode="lin" valueType="num">
+                                      <p:cBhvr additive="base">
+                                        <p:cTn id="40" dur="500" fill="hold"/>
+                                        <p:tgtEl>
+                                          <p:spTgt spid="3">
+                                            <p:txEl>
+                                              <p:pRg st="7" end="7"/>
+                                            </p:txEl>
+                                          </p:spTgt>
+                                        </p:tgtEl>
+                                        <p:attrNameLst>
+                                          <p:attrName>ppt_y</p:attrName>
+                                        </p:attrNameLst>
+                                      </p:cBhvr>
+                                      <p:tavLst>
+                                        <p:tav tm="0">
+                                          <p:val>
+                                            <p:strVal val="1+#ppt_h/2"/>
+                                          </p:val>
+                                        </p:tav>
+                                        <p:tav tm="100000">
+                                          <p:val>
+                                            <p:strVal val="#ppt_y"/>
+                                          </p:val>
+                                        </p:tav>
+                                      </p:tavLst>
+                                    </p:anim>
+                                  </p:childTnLst>
+                                </p:cTn>
+                              </p:par>
+                              <p:par>
+                                <p:cTn id="41" presetID="2" presetClass="entr" presetSubtype="4" fill="hold" nodeType="withEffect">
+                                  <p:stCondLst>
+                                    <p:cond delay="0"/>
+                                  </p:stCondLst>
+                                  <p:childTnLst>
+                                    <p:set>
+                                      <p:cBhvr>
+                                        <p:cTn id="42" dur="1" fill="hold">
+                                          <p:stCondLst>
+                                            <p:cond delay="0"/>
+                                          </p:stCondLst>
+                                        </p:cTn>
+                                        <p:tgtEl>
+                                          <p:spTgt spid="3">
+                                            <p:txEl>
+                                              <p:pRg st="8" end="8"/>
+                                            </p:txEl>
+                                          </p:spTgt>
+                                        </p:tgtEl>
+                                        <p:attrNameLst>
+                                          <p:attrName>style.visibility</p:attrName>
+                                        </p:attrNameLst>
+                                      </p:cBhvr>
+                                      <p:to>
+                                        <p:strVal val="visible"/>
+                                      </p:to>
+                                    </p:set>
+                                    <p:anim calcmode="lin" valueType="num">
+                                      <p:cBhvr additive="base">
+                                        <p:cTn id="43" dur="500" fill="hold"/>
+                                        <p:tgtEl>
+                                          <p:spTgt spid="3">
+                                            <p:txEl>
+                                              <p:pRg st="8" end="8"/>
+                                            </p:txEl>
+                                          </p:spTgt>
+                                        </p:tgtEl>
+                                        <p:attrNameLst>
+                                          <p:attrName>ppt_x</p:attrName>
+                                        </p:attrNameLst>
+                                      </p:cBhvr>
+                                      <p:tavLst>
+                                        <p:tav tm="0">
+                                          <p:val>
+                                            <p:strVal val="#ppt_x"/>
+                                          </p:val>
+                                        </p:tav>
+                                        <p:tav tm="100000">
+                                          <p:val>
+                                            <p:strVal val="#ppt_x"/>
+                                          </p:val>
+                                        </p:tav>
+                                      </p:tavLst>
+                                    </p:anim>
+                                    <p:anim calcmode="lin" valueType="num">
+                                      <p:cBhvr additive="base">
+                                        <p:cTn id="44" dur="500" fill="hold"/>
+                                        <p:tgtEl>
+                                          <p:spTgt spid="3">
+                                            <p:txEl>
+                                              <p:pRg st="8" end="8"/>
+                                            </p:txEl>
+                                          </p:spTgt>
+                                        </p:tgtEl>
+                                        <p:attrNameLst>
+                                          <p:attrName>ppt_y</p:attrName>
+                                        </p:attrNameLst>
+                                      </p:cBhvr>
+                                      <p:tavLst>
+                                        <p:tav tm="0">
+                                          <p:val>
+                                            <p:strVal val="1+#ppt_h/2"/>
+                                          </p:val>
+                                        </p:tav>
+                                        <p:tav tm="100000">
+                                          <p:val>
+                                            <p:strVal val="#ppt_y"/>
+                                          </p:val>
+                                        </p:tav>
+                                      </p:tavLst>
+                                    </p:anim>
+                                  </p:childTnLst>
+                                </p:cTn>
+                              </p:par>
+                              <p:par>
+                                <p:cTn id="45" presetID="2" presetClass="entr" presetSubtype="4" fill="hold" nodeType="withEffect">
+                                  <p:stCondLst>
+                                    <p:cond delay="0"/>
+                                  </p:stCondLst>
+                                  <p:childTnLst>
+                                    <p:set>
+                                      <p:cBhvr>
+                                        <p:cTn id="46" dur="1" fill="hold">
+                                          <p:stCondLst>
+                                            <p:cond delay="0"/>
+                                          </p:stCondLst>
+                                        </p:cTn>
+                                        <p:tgtEl>
+                                          <p:spTgt spid="3">
+                                            <p:txEl>
+                                              <p:pRg st="9" end="9"/>
+                                            </p:txEl>
+                                          </p:spTgt>
+                                        </p:tgtEl>
+                                        <p:attrNameLst>
+                                          <p:attrName>style.visibility</p:attrName>
+                                        </p:attrNameLst>
+                                      </p:cBhvr>
+                                      <p:to>
+                                        <p:strVal val="visible"/>
+                                      </p:to>
+                                    </p:set>
+                                    <p:anim calcmode="lin" valueType="num">
+                                      <p:cBhvr additive="base">
+                                        <p:cTn id="47" dur="500" fill="hold"/>
+                                        <p:tgtEl>
+                                          <p:spTgt spid="3">
+                                            <p:txEl>
+                                              <p:pRg st="9" end="9"/>
+                                            </p:txEl>
+                                          </p:spTgt>
+                                        </p:tgtEl>
+                                        <p:attrNameLst>
+                                          <p:attrName>ppt_x</p:attrName>
+                                        </p:attrNameLst>
+                                      </p:cBhvr>
+                                      <p:tavLst>
+                                        <p:tav tm="0">
+                                          <p:val>
+                                            <p:strVal val="#ppt_x"/>
+                                          </p:val>
+                                        </p:tav>
+                                        <p:tav tm="100000">
+                                          <p:val>
+                                            <p:strVal val="#ppt_x"/>
+                                          </p:val>
+                                        </p:tav>
+                                      </p:tavLst>
+                                    </p:anim>
+                                    <p:anim calcmode="lin" valueType="num">
+                                      <p:cBhvr additive="base">
+                                        <p:cTn id="48" dur="500" fill="hold"/>
+                                        <p:tgtEl>
+                                          <p:spTgt spid="3">
+                                            <p:txEl>
+                                              <p:pRg st="9" end="9"/>
                                             </p:txEl>
                                           </p:spTgt>
                                         </p:tgtEl>
@@ -10633,9 +11173,14 @@
           <a:bodyPr/>
           <a:lstStyle/>
           <a:p>
-            <a:r>
-              <a:rPr lang="en-US" dirty="0" smtClean="0"/>
-              <a:t>Continued….</a:t>
+            <a:pPr lvl="0"/>
+            <a:r>
+              <a:rPr lang="en-US" b="1" dirty="0"/>
+              <a:t>Working of driver.java</a:t>
+            </a:r>
+            <a:r>
+              <a:rPr lang="en-US" b="1" dirty="0" smtClean="0"/>
+              <a:t>:</a:t>
             </a:r>
             <a:endParaRPr lang="en-US" dirty="0"/>
           </a:p>
@@ -10653,108 +11198,32 @@
         </p:nvSpPr>
         <p:spPr/>
         <p:txBody>
-          <a:bodyPr>
-            <a:normAutofit fontScale="92500" lnSpcReduction="20000"/>
-          </a:bodyPr>
+          <a:bodyPr/>
           <a:lstStyle/>
           <a:p>
             <a:pPr marL="0" indent="0">
               <a:buNone/>
             </a:pPr>
             <a:r>
-              <a:rPr lang="en-US" dirty="0" err="1"/>
-              <a:t>InverseGaloisMatrix</a:t>
-            </a:r>
-            <a:r>
               <a:rPr lang="en-US" dirty="0"/>
-              <a:t>=</a:t>
-            </a:r>
-          </a:p>
-          <a:p>
-            <a:pPr marL="0" indent="0">
-              <a:buNone/>
-            </a:pPr>
+              <a:t>The driver can accept input in 2 ways:</a:t>
+            </a:r>
+          </a:p>
+          <a:p>
+            <a:pPr lvl="1"/>
             <a:r>
               <a:rPr lang="en-US" dirty="0"/>
-              <a:t>        0E 0B 0D 09</a:t>
-            </a:r>
-          </a:p>
-          <a:p>
-            <a:pPr marL="0" indent="0">
-              <a:buNone/>
-            </a:pPr>
+              <a:t>From text file</a:t>
+            </a:r>
+          </a:p>
+          <a:p>
+            <a:pPr lvl="1"/>
             <a:r>
               <a:rPr lang="en-US" dirty="0"/>
-              <a:t>        09 0E 0B 0D</a:t>
-            </a:r>
-          </a:p>
-          <a:p>
-            <a:pPr marL="0" indent="0">
-              <a:buNone/>
-            </a:pPr>
-            <a:r>
-              <a:rPr lang="en-US" dirty="0"/>
-              <a:t>        0D 09 0E 0B</a:t>
-            </a:r>
-          </a:p>
-          <a:p>
-            <a:pPr marL="0" indent="0">
-              <a:buNone/>
-            </a:pPr>
-            <a:r>
-              <a:rPr lang="en-US" dirty="0"/>
-              <a:t>        0B 0D 09 0E</a:t>
-            </a:r>
-          </a:p>
-          <a:p>
-            <a:pPr marL="0" indent="0">
-              <a:buNone/>
-            </a:pPr>
-            <a:r>
-              <a:rPr lang="en-US" dirty="0"/>
-              <a:t>where:</a:t>
-            </a:r>
-          </a:p>
-          <a:p>
-            <a:pPr marL="0" indent="0">
-              <a:buNone/>
-            </a:pPr>
-            <a:r>
-              <a:rPr lang="en-US" dirty="0"/>
-              <a:t>	x*9=(((x*2)*2)*2)^x</a:t>
-            </a:r>
-          </a:p>
-          <a:p>
-            <a:pPr marL="0" indent="0">
-              <a:buNone/>
-            </a:pPr>
-            <a:r>
-              <a:rPr lang="en-US" dirty="0"/>
-              <a:t>	x*11=	((((x*2)*2)^x)*2)^x</a:t>
-            </a:r>
-          </a:p>
-          <a:p>
-            <a:pPr marL="0" indent="0">
-              <a:buNone/>
-            </a:pPr>
-            <a:r>
-              <a:rPr lang="en-US" dirty="0"/>
-              <a:t>	x*13=((((x*2)^x)*2)*2)^x</a:t>
-            </a:r>
-          </a:p>
-          <a:p>
-            <a:pPr marL="0" indent="0">
-              <a:buNone/>
-            </a:pPr>
-            <a:r>
-              <a:rPr lang="en-US" dirty="0"/>
-              <a:t>	x*14=((((x*2)^x)*2)^x)*2</a:t>
-            </a:r>
-          </a:p>
-          <a:p>
-            <a:pPr marL="0" indent="0">
-              <a:buNone/>
-            </a:pPr>
+              <a:t>From Standard Input</a:t>
+            </a:r>
+          </a:p>
+          <a:p>
             <a:endParaRPr lang="en-US" dirty="0"/>
           </a:p>
         </p:txBody>
@@ -10762,7 +11231,7 @@
     </p:spTree>
     <p:extLst>
       <p:ext uri="{BB962C8B-B14F-4D97-AF65-F5344CB8AC3E}">
-        <p14:creationId xmlns:p14="http://schemas.microsoft.com/office/powerpoint/2010/main" val="3972675479"/>
+        <p14:creationId xmlns:p14="http://schemas.microsoft.com/office/powerpoint/2010/main" val="3672414798"/>
       </p:ext>
     </p:extLst>
   </p:cSld>
@@ -10977,261 +11446,6 @@
                                   </p:childTnLst>
                                 </p:cTn>
                               </p:par>
-                              <p:par>
-                                <p:cTn id="15" presetID="2" presetClass="entr" presetSubtype="4" fill="hold" nodeType="withEffect">
-                                  <p:stCondLst>
-                                    <p:cond delay="0"/>
-                                  </p:stCondLst>
-                                  <p:childTnLst>
-                                    <p:set>
-                                      <p:cBhvr>
-                                        <p:cTn id="16" dur="1" fill="hold">
-                                          <p:stCondLst>
-                                            <p:cond delay="0"/>
-                                          </p:stCondLst>
-                                        </p:cTn>
-                                        <p:tgtEl>
-                                          <p:spTgt spid="3">
-                                            <p:txEl>
-                                              <p:pRg st="2" end="2"/>
-                                            </p:txEl>
-                                          </p:spTgt>
-                                        </p:tgtEl>
-                                        <p:attrNameLst>
-                                          <p:attrName>style.visibility</p:attrName>
-                                        </p:attrNameLst>
-                                      </p:cBhvr>
-                                      <p:to>
-                                        <p:strVal val="visible"/>
-                                      </p:to>
-                                    </p:set>
-                                    <p:anim calcmode="lin" valueType="num">
-                                      <p:cBhvr additive="base">
-                                        <p:cTn id="17" dur="500" fill="hold"/>
-                                        <p:tgtEl>
-                                          <p:spTgt spid="3">
-                                            <p:txEl>
-                                              <p:pRg st="2" end="2"/>
-                                            </p:txEl>
-                                          </p:spTgt>
-                                        </p:tgtEl>
-                                        <p:attrNameLst>
-                                          <p:attrName>ppt_x</p:attrName>
-                                        </p:attrNameLst>
-                                      </p:cBhvr>
-                                      <p:tavLst>
-                                        <p:tav tm="0">
-                                          <p:val>
-                                            <p:strVal val="#ppt_x"/>
-                                          </p:val>
-                                        </p:tav>
-                                        <p:tav tm="100000">
-                                          <p:val>
-                                            <p:strVal val="#ppt_x"/>
-                                          </p:val>
-                                        </p:tav>
-                                      </p:tavLst>
-                                    </p:anim>
-                                    <p:anim calcmode="lin" valueType="num">
-                                      <p:cBhvr additive="base">
-                                        <p:cTn id="18" dur="500" fill="hold"/>
-                                        <p:tgtEl>
-                                          <p:spTgt spid="3">
-                                            <p:txEl>
-                                              <p:pRg st="2" end="2"/>
-                                            </p:txEl>
-                                          </p:spTgt>
-                                        </p:tgtEl>
-                                        <p:attrNameLst>
-                                          <p:attrName>ppt_y</p:attrName>
-                                        </p:attrNameLst>
-                                      </p:cBhvr>
-                                      <p:tavLst>
-                                        <p:tav tm="0">
-                                          <p:val>
-                                            <p:strVal val="1+#ppt_h/2"/>
-                                          </p:val>
-                                        </p:tav>
-                                        <p:tav tm="100000">
-                                          <p:val>
-                                            <p:strVal val="#ppt_y"/>
-                                          </p:val>
-                                        </p:tav>
-                                      </p:tavLst>
-                                    </p:anim>
-                                  </p:childTnLst>
-                                </p:cTn>
-                              </p:par>
-                              <p:par>
-                                <p:cTn id="19" presetID="2" presetClass="entr" presetSubtype="4" fill="hold" nodeType="withEffect">
-                                  <p:stCondLst>
-                                    <p:cond delay="0"/>
-                                  </p:stCondLst>
-                                  <p:childTnLst>
-                                    <p:set>
-                                      <p:cBhvr>
-                                        <p:cTn id="20" dur="1" fill="hold">
-                                          <p:stCondLst>
-                                            <p:cond delay="0"/>
-                                          </p:stCondLst>
-                                        </p:cTn>
-                                        <p:tgtEl>
-                                          <p:spTgt spid="3">
-                                            <p:txEl>
-                                              <p:pRg st="3" end="3"/>
-                                            </p:txEl>
-                                          </p:spTgt>
-                                        </p:tgtEl>
-                                        <p:attrNameLst>
-                                          <p:attrName>style.visibility</p:attrName>
-                                        </p:attrNameLst>
-                                      </p:cBhvr>
-                                      <p:to>
-                                        <p:strVal val="visible"/>
-                                      </p:to>
-                                    </p:set>
-                                    <p:anim calcmode="lin" valueType="num">
-                                      <p:cBhvr additive="base">
-                                        <p:cTn id="21" dur="500" fill="hold"/>
-                                        <p:tgtEl>
-                                          <p:spTgt spid="3">
-                                            <p:txEl>
-                                              <p:pRg st="3" end="3"/>
-                                            </p:txEl>
-                                          </p:spTgt>
-                                        </p:tgtEl>
-                                        <p:attrNameLst>
-                                          <p:attrName>ppt_x</p:attrName>
-                                        </p:attrNameLst>
-                                      </p:cBhvr>
-                                      <p:tavLst>
-                                        <p:tav tm="0">
-                                          <p:val>
-                                            <p:strVal val="#ppt_x"/>
-                                          </p:val>
-                                        </p:tav>
-                                        <p:tav tm="100000">
-                                          <p:val>
-                                            <p:strVal val="#ppt_x"/>
-                                          </p:val>
-                                        </p:tav>
-                                      </p:tavLst>
-                                    </p:anim>
-                                    <p:anim calcmode="lin" valueType="num">
-                                      <p:cBhvr additive="base">
-                                        <p:cTn id="22" dur="500" fill="hold"/>
-                                        <p:tgtEl>
-                                          <p:spTgt spid="3">
-                                            <p:txEl>
-                                              <p:pRg st="3" end="3"/>
-                                            </p:txEl>
-                                          </p:spTgt>
-                                        </p:tgtEl>
-                                        <p:attrNameLst>
-                                          <p:attrName>ppt_y</p:attrName>
-                                        </p:attrNameLst>
-                                      </p:cBhvr>
-                                      <p:tavLst>
-                                        <p:tav tm="0">
-                                          <p:val>
-                                            <p:strVal val="1+#ppt_h/2"/>
-                                          </p:val>
-                                        </p:tav>
-                                        <p:tav tm="100000">
-                                          <p:val>
-                                            <p:strVal val="#ppt_y"/>
-                                          </p:val>
-                                        </p:tav>
-                                      </p:tavLst>
-                                    </p:anim>
-                                  </p:childTnLst>
-                                </p:cTn>
-                              </p:par>
-                              <p:par>
-                                <p:cTn id="23" presetID="2" presetClass="entr" presetSubtype="4" fill="hold" nodeType="withEffect">
-                                  <p:stCondLst>
-                                    <p:cond delay="0"/>
-                                  </p:stCondLst>
-                                  <p:childTnLst>
-                                    <p:set>
-                                      <p:cBhvr>
-                                        <p:cTn id="24" dur="1" fill="hold">
-                                          <p:stCondLst>
-                                            <p:cond delay="0"/>
-                                          </p:stCondLst>
-                                        </p:cTn>
-                                        <p:tgtEl>
-                                          <p:spTgt spid="3">
-                                            <p:txEl>
-                                              <p:pRg st="4" end="4"/>
-                                            </p:txEl>
-                                          </p:spTgt>
-                                        </p:tgtEl>
-                                        <p:attrNameLst>
-                                          <p:attrName>style.visibility</p:attrName>
-                                        </p:attrNameLst>
-                                      </p:cBhvr>
-                                      <p:to>
-                                        <p:strVal val="visible"/>
-                                      </p:to>
-                                    </p:set>
-                                    <p:anim calcmode="lin" valueType="num">
-                                      <p:cBhvr additive="base">
-                                        <p:cTn id="25" dur="500" fill="hold"/>
-                                        <p:tgtEl>
-                                          <p:spTgt spid="3">
-                                            <p:txEl>
-                                              <p:pRg st="4" end="4"/>
-                                            </p:txEl>
-                                          </p:spTgt>
-                                        </p:tgtEl>
-                                        <p:attrNameLst>
-                                          <p:attrName>ppt_x</p:attrName>
-                                        </p:attrNameLst>
-                                      </p:cBhvr>
-                                      <p:tavLst>
-                                        <p:tav tm="0">
-                                          <p:val>
-                                            <p:strVal val="#ppt_x"/>
-                                          </p:val>
-                                        </p:tav>
-                                        <p:tav tm="100000">
-                                          <p:val>
-                                            <p:strVal val="#ppt_x"/>
-                                          </p:val>
-                                        </p:tav>
-                                      </p:tavLst>
-                                    </p:anim>
-                                    <p:anim calcmode="lin" valueType="num">
-                                      <p:cBhvr additive="base">
-                                        <p:cTn id="26" dur="500" fill="hold"/>
-                                        <p:tgtEl>
-                                          <p:spTgt spid="3">
-                                            <p:txEl>
-                                              <p:pRg st="4" end="4"/>
-                                            </p:txEl>
-                                          </p:spTgt>
-                                        </p:tgtEl>
-                                        <p:attrNameLst>
-                                          <p:attrName>ppt_y</p:attrName>
-                                        </p:attrNameLst>
-                                      </p:cBhvr>
-                                      <p:tavLst>
-                                        <p:tav tm="0">
-                                          <p:val>
-                                            <p:strVal val="1+#ppt_h/2"/>
-                                          </p:val>
-                                        </p:tav>
-                                        <p:tav tm="100000">
-                                          <p:val>
-                                            <p:strVal val="#ppt_y"/>
-                                          </p:val>
-                                        </p:tav>
-                                      </p:tavLst>
-                                    </p:anim>
-                                  </p:childTnLst>
-                                </p:cTn>
-                              </p:par>
                             </p:childTnLst>
                           </p:cTn>
                         </p:par>
@@ -11239,26 +11453,26 @@
                     </p:cTn>
                   </p:par>
                   <p:par>
-                    <p:cTn id="27" fill="hold">
+                    <p:cTn id="15" fill="hold">
                       <p:stCondLst>
                         <p:cond delay="indefinite"/>
                       </p:stCondLst>
                       <p:childTnLst>
                         <p:par>
-                          <p:cTn id="28" fill="hold">
+                          <p:cTn id="16" fill="hold">
                             <p:stCondLst>
                               <p:cond delay="0"/>
                             </p:stCondLst>
                             <p:childTnLst>
                               <p:par>
-                                <p:cTn id="29" presetID="2" presetClass="entr" presetSubtype="4" fill="hold" nodeType="clickEffect">
+                                <p:cTn id="17" presetID="2" presetClass="entr" presetSubtype="4" fill="hold" nodeType="clickEffect">
                                   <p:stCondLst>
                                     <p:cond delay="0"/>
                                   </p:stCondLst>
                                   <p:childTnLst>
                                     <p:set>
                                       <p:cBhvr>
-                                        <p:cTn id="30" dur="1" fill="hold">
+                                        <p:cTn id="18" dur="1" fill="hold">
                                           <p:stCondLst>
                                             <p:cond delay="0"/>
                                           </p:stCondLst>
@@ -11266,7 +11480,7 @@
                                         <p:tgtEl>
                                           <p:spTgt spid="3">
                                             <p:txEl>
-                                              <p:pRg st="5" end="5"/>
+                                              <p:pRg st="2" end="2"/>
                                             </p:txEl>
                                           </p:spTgt>
                                         </p:tgtEl>
@@ -11280,11 +11494,11 @@
                                     </p:set>
                                     <p:anim calcmode="lin" valueType="num">
                                       <p:cBhvr additive="base">
-                                        <p:cTn id="31" dur="500" fill="hold"/>
-                                        <p:tgtEl>
-                                          <p:spTgt spid="3">
-                                            <p:txEl>
-                                              <p:pRg st="5" end="5"/>
+                                        <p:cTn id="19" dur="500" fill="hold"/>
+                                        <p:tgtEl>
+                                          <p:spTgt spid="3">
+                                            <p:txEl>
+                                              <p:pRg st="2" end="2"/>
                                             </p:txEl>
                                           </p:spTgt>
                                         </p:tgtEl>
@@ -11307,351 +11521,11 @@
                                     </p:anim>
                                     <p:anim calcmode="lin" valueType="num">
                                       <p:cBhvr additive="base">
-                                        <p:cTn id="32" dur="500" fill="hold"/>
-                                        <p:tgtEl>
-                                          <p:spTgt spid="3">
-                                            <p:txEl>
-                                              <p:pRg st="5" end="5"/>
-                                            </p:txEl>
-                                          </p:spTgt>
-                                        </p:tgtEl>
-                                        <p:attrNameLst>
-                                          <p:attrName>ppt_y</p:attrName>
-                                        </p:attrNameLst>
-                                      </p:cBhvr>
-                                      <p:tavLst>
-                                        <p:tav tm="0">
-                                          <p:val>
-                                            <p:strVal val="1+#ppt_h/2"/>
-                                          </p:val>
-                                        </p:tav>
-                                        <p:tav tm="100000">
-                                          <p:val>
-                                            <p:strVal val="#ppt_y"/>
-                                          </p:val>
-                                        </p:tav>
-                                      </p:tavLst>
-                                    </p:anim>
-                                  </p:childTnLst>
-                                </p:cTn>
-                              </p:par>
-                              <p:par>
-                                <p:cTn id="33" presetID="2" presetClass="entr" presetSubtype="4" fill="hold" nodeType="withEffect">
-                                  <p:stCondLst>
-                                    <p:cond delay="0"/>
-                                  </p:stCondLst>
-                                  <p:childTnLst>
-                                    <p:set>
-                                      <p:cBhvr>
-                                        <p:cTn id="34" dur="1" fill="hold">
-                                          <p:stCondLst>
-                                            <p:cond delay="0"/>
-                                          </p:stCondLst>
-                                        </p:cTn>
-                                        <p:tgtEl>
-                                          <p:spTgt spid="3">
-                                            <p:txEl>
-                                              <p:pRg st="6" end="6"/>
-                                            </p:txEl>
-                                          </p:spTgt>
-                                        </p:tgtEl>
-                                        <p:attrNameLst>
-                                          <p:attrName>style.visibility</p:attrName>
-                                        </p:attrNameLst>
-                                      </p:cBhvr>
-                                      <p:to>
-                                        <p:strVal val="visible"/>
-                                      </p:to>
-                                    </p:set>
-                                    <p:anim calcmode="lin" valueType="num">
-                                      <p:cBhvr additive="base">
-                                        <p:cTn id="35" dur="500" fill="hold"/>
-                                        <p:tgtEl>
-                                          <p:spTgt spid="3">
-                                            <p:txEl>
-                                              <p:pRg st="6" end="6"/>
-                                            </p:txEl>
-                                          </p:spTgt>
-                                        </p:tgtEl>
-                                        <p:attrNameLst>
-                                          <p:attrName>ppt_x</p:attrName>
-                                        </p:attrNameLst>
-                                      </p:cBhvr>
-                                      <p:tavLst>
-                                        <p:tav tm="0">
-                                          <p:val>
-                                            <p:strVal val="#ppt_x"/>
-                                          </p:val>
-                                        </p:tav>
-                                        <p:tav tm="100000">
-                                          <p:val>
-                                            <p:strVal val="#ppt_x"/>
-                                          </p:val>
-                                        </p:tav>
-                                      </p:tavLst>
-                                    </p:anim>
-                                    <p:anim calcmode="lin" valueType="num">
-                                      <p:cBhvr additive="base">
-                                        <p:cTn id="36" dur="500" fill="hold"/>
-                                        <p:tgtEl>
-                                          <p:spTgt spid="3">
-                                            <p:txEl>
-                                              <p:pRg st="6" end="6"/>
-                                            </p:txEl>
-                                          </p:spTgt>
-                                        </p:tgtEl>
-                                        <p:attrNameLst>
-                                          <p:attrName>ppt_y</p:attrName>
-                                        </p:attrNameLst>
-                                      </p:cBhvr>
-                                      <p:tavLst>
-                                        <p:tav tm="0">
-                                          <p:val>
-                                            <p:strVal val="1+#ppt_h/2"/>
-                                          </p:val>
-                                        </p:tav>
-                                        <p:tav tm="100000">
-                                          <p:val>
-                                            <p:strVal val="#ppt_y"/>
-                                          </p:val>
-                                        </p:tav>
-                                      </p:tavLst>
-                                    </p:anim>
-                                  </p:childTnLst>
-                                </p:cTn>
-                              </p:par>
-                              <p:par>
-                                <p:cTn id="37" presetID="2" presetClass="entr" presetSubtype="4" fill="hold" nodeType="withEffect">
-                                  <p:stCondLst>
-                                    <p:cond delay="0"/>
-                                  </p:stCondLst>
-                                  <p:childTnLst>
-                                    <p:set>
-                                      <p:cBhvr>
-                                        <p:cTn id="38" dur="1" fill="hold">
-                                          <p:stCondLst>
-                                            <p:cond delay="0"/>
-                                          </p:stCondLst>
-                                        </p:cTn>
-                                        <p:tgtEl>
-                                          <p:spTgt spid="3">
-                                            <p:txEl>
-                                              <p:pRg st="7" end="7"/>
-                                            </p:txEl>
-                                          </p:spTgt>
-                                        </p:tgtEl>
-                                        <p:attrNameLst>
-                                          <p:attrName>style.visibility</p:attrName>
-                                        </p:attrNameLst>
-                                      </p:cBhvr>
-                                      <p:to>
-                                        <p:strVal val="visible"/>
-                                      </p:to>
-                                    </p:set>
-                                    <p:anim calcmode="lin" valueType="num">
-                                      <p:cBhvr additive="base">
-                                        <p:cTn id="39" dur="500" fill="hold"/>
-                                        <p:tgtEl>
-                                          <p:spTgt spid="3">
-                                            <p:txEl>
-                                              <p:pRg st="7" end="7"/>
-                                            </p:txEl>
-                                          </p:spTgt>
-                                        </p:tgtEl>
-                                        <p:attrNameLst>
-                                          <p:attrName>ppt_x</p:attrName>
-                                        </p:attrNameLst>
-                                      </p:cBhvr>
-                                      <p:tavLst>
-                                        <p:tav tm="0">
-                                          <p:val>
-                                            <p:strVal val="#ppt_x"/>
-                                          </p:val>
-                                        </p:tav>
-                                        <p:tav tm="100000">
-                                          <p:val>
-                                            <p:strVal val="#ppt_x"/>
-                                          </p:val>
-                                        </p:tav>
-                                      </p:tavLst>
-                                    </p:anim>
-                                    <p:anim calcmode="lin" valueType="num">
-                                      <p:cBhvr additive="base">
-                                        <p:cTn id="40" dur="500" fill="hold"/>
-                                        <p:tgtEl>
-                                          <p:spTgt spid="3">
-                                            <p:txEl>
-                                              <p:pRg st="7" end="7"/>
-                                            </p:txEl>
-                                          </p:spTgt>
-                                        </p:tgtEl>
-                                        <p:attrNameLst>
-                                          <p:attrName>ppt_y</p:attrName>
-                                        </p:attrNameLst>
-                                      </p:cBhvr>
-                                      <p:tavLst>
-                                        <p:tav tm="0">
-                                          <p:val>
-                                            <p:strVal val="1+#ppt_h/2"/>
-                                          </p:val>
-                                        </p:tav>
-                                        <p:tav tm="100000">
-                                          <p:val>
-                                            <p:strVal val="#ppt_y"/>
-                                          </p:val>
-                                        </p:tav>
-                                      </p:tavLst>
-                                    </p:anim>
-                                  </p:childTnLst>
-                                </p:cTn>
-                              </p:par>
-                              <p:par>
-                                <p:cTn id="41" presetID="2" presetClass="entr" presetSubtype="4" fill="hold" nodeType="withEffect">
-                                  <p:stCondLst>
-                                    <p:cond delay="0"/>
-                                  </p:stCondLst>
-                                  <p:childTnLst>
-                                    <p:set>
-                                      <p:cBhvr>
-                                        <p:cTn id="42" dur="1" fill="hold">
-                                          <p:stCondLst>
-                                            <p:cond delay="0"/>
-                                          </p:stCondLst>
-                                        </p:cTn>
-                                        <p:tgtEl>
-                                          <p:spTgt spid="3">
-                                            <p:txEl>
-                                              <p:pRg st="8" end="8"/>
-                                            </p:txEl>
-                                          </p:spTgt>
-                                        </p:tgtEl>
-                                        <p:attrNameLst>
-                                          <p:attrName>style.visibility</p:attrName>
-                                        </p:attrNameLst>
-                                      </p:cBhvr>
-                                      <p:to>
-                                        <p:strVal val="visible"/>
-                                      </p:to>
-                                    </p:set>
-                                    <p:anim calcmode="lin" valueType="num">
-                                      <p:cBhvr additive="base">
-                                        <p:cTn id="43" dur="500" fill="hold"/>
-                                        <p:tgtEl>
-                                          <p:spTgt spid="3">
-                                            <p:txEl>
-                                              <p:pRg st="8" end="8"/>
-                                            </p:txEl>
-                                          </p:spTgt>
-                                        </p:tgtEl>
-                                        <p:attrNameLst>
-                                          <p:attrName>ppt_x</p:attrName>
-                                        </p:attrNameLst>
-                                      </p:cBhvr>
-                                      <p:tavLst>
-                                        <p:tav tm="0">
-                                          <p:val>
-                                            <p:strVal val="#ppt_x"/>
-                                          </p:val>
-                                        </p:tav>
-                                        <p:tav tm="100000">
-                                          <p:val>
-                                            <p:strVal val="#ppt_x"/>
-                                          </p:val>
-                                        </p:tav>
-                                      </p:tavLst>
-                                    </p:anim>
-                                    <p:anim calcmode="lin" valueType="num">
-                                      <p:cBhvr additive="base">
-                                        <p:cTn id="44" dur="500" fill="hold"/>
-                                        <p:tgtEl>
-                                          <p:spTgt spid="3">
-                                            <p:txEl>
-                                              <p:pRg st="8" end="8"/>
-                                            </p:txEl>
-                                          </p:spTgt>
-                                        </p:tgtEl>
-                                        <p:attrNameLst>
-                                          <p:attrName>ppt_y</p:attrName>
-                                        </p:attrNameLst>
-                                      </p:cBhvr>
-                                      <p:tavLst>
-                                        <p:tav tm="0">
-                                          <p:val>
-                                            <p:strVal val="1+#ppt_h/2"/>
-                                          </p:val>
-                                        </p:tav>
-                                        <p:tav tm="100000">
-                                          <p:val>
-                                            <p:strVal val="#ppt_y"/>
-                                          </p:val>
-                                        </p:tav>
-                                      </p:tavLst>
-                                    </p:anim>
-                                  </p:childTnLst>
-                                </p:cTn>
-                              </p:par>
-                              <p:par>
-                                <p:cTn id="45" presetID="2" presetClass="entr" presetSubtype="4" fill="hold" nodeType="withEffect">
-                                  <p:stCondLst>
-                                    <p:cond delay="0"/>
-                                  </p:stCondLst>
-                                  <p:childTnLst>
-                                    <p:set>
-                                      <p:cBhvr>
-                                        <p:cTn id="46" dur="1" fill="hold">
-                                          <p:stCondLst>
-                                            <p:cond delay="0"/>
-                                          </p:stCondLst>
-                                        </p:cTn>
-                                        <p:tgtEl>
-                                          <p:spTgt spid="3">
-                                            <p:txEl>
-                                              <p:pRg st="9" end="9"/>
-                                            </p:txEl>
-                                          </p:spTgt>
-                                        </p:tgtEl>
-                                        <p:attrNameLst>
-                                          <p:attrName>style.visibility</p:attrName>
-                                        </p:attrNameLst>
-                                      </p:cBhvr>
-                                      <p:to>
-                                        <p:strVal val="visible"/>
-                                      </p:to>
-                                    </p:set>
-                                    <p:anim calcmode="lin" valueType="num">
-                                      <p:cBhvr additive="base">
-                                        <p:cTn id="47" dur="500" fill="hold"/>
-                                        <p:tgtEl>
-                                          <p:spTgt spid="3">
-                                            <p:txEl>
-                                              <p:pRg st="9" end="9"/>
-                                            </p:txEl>
-                                          </p:spTgt>
-                                        </p:tgtEl>
-                                        <p:attrNameLst>
-                                          <p:attrName>ppt_x</p:attrName>
-                                        </p:attrNameLst>
-                                      </p:cBhvr>
-                                      <p:tavLst>
-                                        <p:tav tm="0">
-                                          <p:val>
-                                            <p:strVal val="#ppt_x"/>
-                                          </p:val>
-                                        </p:tav>
-                                        <p:tav tm="100000">
-                                          <p:val>
-                                            <p:strVal val="#ppt_x"/>
-                                          </p:val>
-                                        </p:tav>
-                                      </p:tavLst>
-                                    </p:anim>
-                                    <p:anim calcmode="lin" valueType="num">
-                                      <p:cBhvr additive="base">
-                                        <p:cTn id="48" dur="500" fill="hold"/>
-                                        <p:tgtEl>
-                                          <p:spTgt spid="3">
-                                            <p:txEl>
-                                              <p:pRg st="9" end="9"/>
+                                        <p:cTn id="20" dur="500" fill="hold"/>
+                                        <p:tgtEl>
+                                          <p:spTgt spid="3">
+                                            <p:txEl>
+                                              <p:pRg st="2" end="2"/>
                                             </p:txEl>
                                           </p:spTgt>
                                         </p:tgtEl>
